--- a/DsDotNet/src/UnitTest/UnitTest.Engine/ImportPPT/T10_Button.pptx
+++ b/DsDotNet/src/UnitTest/UnitTest.Engine/ImportPPT/T10_Button.pptx
@@ -5,15 +5,16 @@
     <p:sldMasterId id="2147483648" r:id="rId1"/>
   </p:sldMasterIdLst>
   <p:notesMasterIdLst>
-    <p:notesMasterId r:id="rId5"/>
+    <p:notesMasterId r:id="rId6"/>
   </p:notesMasterIdLst>
   <p:handoutMasterIdLst>
-    <p:handoutMasterId r:id="rId6"/>
+    <p:handoutMasterId r:id="rId7"/>
   </p:handoutMasterIdLst>
   <p:sldIdLst>
     <p:sldId id="614" r:id="rId2"/>
     <p:sldId id="615" r:id="rId3"/>
     <p:sldId id="620" r:id="rId4"/>
+    <p:sldId id="621" r:id="rId5"/>
   </p:sldIdLst>
   <p:sldSz cx="12192000" cy="6858000"/>
   <p:notesSz cx="6797675" cy="9926638"/>
@@ -924,6 +925,90 @@
     <p:extLst>
       <p:ext uri="{BB962C8B-B14F-4D97-AF65-F5344CB8AC3E}">
         <p14:creationId xmlns:p14="http://schemas.microsoft.com/office/powerpoint/2010/main" val="1445077333"/>
+      </p:ext>
+    </p:extLst>
+  </p:cSld>
+  <p:clrMapOvr>
+    <a:masterClrMapping/>
+  </p:clrMapOvr>
+</p:notes>
+</file>
+
+<file path=ppt/notesSlides/notesSlide2.xml><?xml version="1.0" encoding="utf-8"?>
+<p:notes xmlns:a="http://schemas.openxmlformats.org/drawingml/2006/main" xmlns:r="http://schemas.openxmlformats.org/officeDocument/2006/relationships" xmlns:p="http://schemas.openxmlformats.org/presentationml/2006/main">
+  <p:cSld>
+    <p:spTree>
+      <p:nvGrpSpPr>
+        <p:cNvPr id="1" name=""/>
+        <p:cNvGrpSpPr/>
+        <p:nvPr/>
+      </p:nvGrpSpPr>
+      <p:grpSpPr>
+        <a:xfrm>
+          <a:off x="0" y="0"/>
+          <a:ext cx="0" cy="0"/>
+          <a:chOff x="0" y="0"/>
+          <a:chExt cx="0" cy="0"/>
+        </a:xfrm>
+      </p:grpSpPr>
+      <p:sp>
+        <p:nvSpPr>
+          <p:cNvPr id="2" name="슬라이드 이미지 개체 틀 1"/>
+          <p:cNvSpPr>
+            <a:spLocks noGrp="1" noRot="1" noChangeAspect="1"/>
+          </p:cNvSpPr>
+          <p:nvPr>
+            <p:ph type="sldImg"/>
+          </p:nvPr>
+        </p:nvSpPr>
+        <p:spPr/>
+      </p:sp>
+      <p:sp>
+        <p:nvSpPr>
+          <p:cNvPr id="3" name="슬라이드 노트 개체 틀 2"/>
+          <p:cNvSpPr>
+            <a:spLocks noGrp="1"/>
+          </p:cNvSpPr>
+          <p:nvPr>
+            <p:ph type="body" idx="1"/>
+          </p:nvPr>
+        </p:nvSpPr>
+        <p:spPr/>
+        <p:txBody>
+          <a:bodyPr/>
+          <a:lstStyle/>
+          <a:p>
+            <a:endParaRPr lang="ko-KR" altLang="en-US" dirty="0"/>
+          </a:p>
+        </p:txBody>
+      </p:sp>
+      <p:sp>
+        <p:nvSpPr>
+          <p:cNvPr id="4" name="슬라이드 번호 개체 틀 3"/>
+          <p:cNvSpPr>
+            <a:spLocks noGrp="1"/>
+          </p:cNvSpPr>
+          <p:nvPr>
+            <p:ph type="sldNum" sz="quarter" idx="5"/>
+          </p:nvPr>
+        </p:nvSpPr>
+        <p:spPr/>
+        <p:txBody>
+          <a:bodyPr/>
+          <a:lstStyle/>
+          <a:p>
+            <a:fld id="{2978587B-688C-4F1D-9D92-1BF3667CE9B1}" type="slidenum">
+              <a:rPr lang="ko-KR" altLang="en-US" smtClean="0"/>
+              <a:t>2</a:t>
+            </a:fld>
+            <a:endParaRPr lang="ko-KR" altLang="en-US" dirty="0"/>
+          </a:p>
+        </p:txBody>
+      </p:sp>
+    </p:spTree>
+    <p:extLst>
+      <p:ext uri="{BB962C8B-B14F-4D97-AF65-F5344CB8AC3E}">
+        <p14:creationId xmlns:p14="http://schemas.microsoft.com/office/powerpoint/2010/main" val="1013102080"/>
       </p:ext>
     </p:extLst>
   </p:cSld>
@@ -9688,69 +9773,6 @@
           </a:fontRef>
         </p:style>
       </p:cxnSp>
-      <p:sp>
-        <p:nvSpPr>
-          <p:cNvPr id="5" name="원형: 비어 있음 4">
-            <a:extLst>
-              <a:ext uri="{FF2B5EF4-FFF2-40B4-BE49-F238E27FC236}">
-                <a16:creationId xmlns:a16="http://schemas.microsoft.com/office/drawing/2014/main" id="{B1EB0DF2-47C1-9DDB-C3A3-CF95CB3398E4}"/>
-              </a:ext>
-            </a:extLst>
-          </p:cNvPr>
-          <p:cNvSpPr/>
-          <p:nvPr/>
-        </p:nvSpPr>
-        <p:spPr>
-          <a:xfrm>
-            <a:off x="10327898" y="4888736"/>
-            <a:ext cx="1673524" cy="1690778"/>
-          </a:xfrm>
-          <a:prstGeom prst="donut">
-            <a:avLst/>
-          </a:prstGeom>
-          <a:ln>
-            <a:solidFill>
-              <a:schemeClr val="tx1"/>
-            </a:solidFill>
-          </a:ln>
-        </p:spPr>
-        <p:style>
-          <a:lnRef idx="2">
-            <a:schemeClr val="accent1">
-              <a:shade val="50000"/>
-            </a:schemeClr>
-          </a:lnRef>
-          <a:fillRef idx="1">
-            <a:schemeClr val="accent1"/>
-          </a:fillRef>
-          <a:effectRef idx="0">
-            <a:schemeClr val="accent1"/>
-          </a:effectRef>
-          <a:fontRef idx="minor">
-            <a:schemeClr val="lt1"/>
-          </a:fontRef>
-        </p:style>
-        <p:txBody>
-          <a:bodyPr rtlCol="0" anchor="ctr"/>
-          <a:lstStyle/>
-          <a:p>
-            <a:pPr algn="ctr"/>
-            <a:r>
-              <a:rPr lang="en-US" altLang="ko-KR" dirty="0" err="1">
-                <a:solidFill>
-                  <a:schemeClr val="tx1"/>
-                </a:solidFill>
-              </a:rPr>
-              <a:t>AUTO1</a:t>
-            </a:r>
-            <a:endParaRPr lang="ko-KR" altLang="en-US" dirty="0">
-              <a:solidFill>
-                <a:schemeClr val="tx1"/>
-              </a:solidFill>
-            </a:endParaRPr>
-          </a:p>
-        </p:txBody>
-      </p:sp>
     </p:spTree>
     <p:extLst>
       <p:ext uri="{BB962C8B-B14F-4D97-AF65-F5344CB8AC3E}">
@@ -10639,6 +10661,772 @@
     <p:extLst>
       <p:ext uri="{BB962C8B-B14F-4D97-AF65-F5344CB8AC3E}">
         <p14:creationId xmlns:p14="http://schemas.microsoft.com/office/powerpoint/2010/main" val="3557612557"/>
+      </p:ext>
+    </p:extLst>
+  </p:cSld>
+  <p:clrMapOvr>
+    <a:masterClrMapping/>
+  </p:clrMapOvr>
+</p:sld>
+</file>
+
+<file path=ppt/slides/slide4.xml><?xml version="1.0" encoding="utf-8"?>
+<p:sld xmlns:a="http://schemas.openxmlformats.org/drawingml/2006/main" xmlns:r="http://schemas.openxmlformats.org/officeDocument/2006/relationships" xmlns:p="http://schemas.openxmlformats.org/presentationml/2006/main">
+  <p:cSld>
+    <p:spTree>
+      <p:nvGrpSpPr>
+        <p:cNvPr id="1" name=""/>
+        <p:cNvGrpSpPr/>
+        <p:nvPr/>
+      </p:nvGrpSpPr>
+      <p:grpSpPr>
+        <a:xfrm>
+          <a:off x="0" y="0"/>
+          <a:ext cx="0" cy="0"/>
+          <a:chOff x="0" y="0"/>
+          <a:chExt cx="0" cy="0"/>
+        </a:xfrm>
+      </p:grpSpPr>
+      <p:sp>
+        <p:nvSpPr>
+          <p:cNvPr id="2" name="제목 1">
+            <a:extLst>
+              <a:ext uri="{FF2B5EF4-FFF2-40B4-BE49-F238E27FC236}">
+                <a16:creationId xmlns:a16="http://schemas.microsoft.com/office/drawing/2014/main" id="{E35BEC89-0CFB-7F29-D8C7-71B3E64B4D66}"/>
+              </a:ext>
+            </a:extLst>
+          </p:cNvPr>
+          <p:cNvSpPr>
+            <a:spLocks noGrp="1"/>
+          </p:cNvSpPr>
+          <p:nvPr>
+            <p:ph type="title"/>
+          </p:nvPr>
+        </p:nvSpPr>
+        <p:spPr/>
+        <p:txBody>
+          <a:bodyPr/>
+          <a:lstStyle/>
+          <a:p>
+            <a:r>
+              <a:rPr lang="en-US" altLang="ko-KR" dirty="0" err="1"/>
+              <a:t>S103</a:t>
+            </a:r>
+            <a:endParaRPr lang="ko-KR" altLang="en-US" dirty="0"/>
+          </a:p>
+        </p:txBody>
+      </p:sp>
+      <p:sp>
+        <p:nvSpPr>
+          <p:cNvPr id="9" name="사각형: 모서리가 접힌 도형 8">
+            <a:extLst>
+              <a:ext uri="{FF2B5EF4-FFF2-40B4-BE49-F238E27FC236}">
+                <a16:creationId xmlns:a16="http://schemas.microsoft.com/office/drawing/2014/main" id="{F5FB5C8C-5FE0-3210-B09B-4F8A898BE653}"/>
+              </a:ext>
+            </a:extLst>
+          </p:cNvPr>
+          <p:cNvSpPr/>
+          <p:nvPr/>
+        </p:nvSpPr>
+        <p:spPr>
+          <a:xfrm>
+            <a:off x="10178351" y="-186582"/>
+            <a:ext cx="2009775" cy="1352550"/>
+          </a:xfrm>
+          <a:prstGeom prst="foldedCorner">
+            <a:avLst/>
+          </a:prstGeom>
+        </p:spPr>
+        <p:style>
+          <a:lnRef idx="2">
+            <a:schemeClr val="accent1">
+              <a:shade val="50000"/>
+            </a:schemeClr>
+          </a:lnRef>
+          <a:fillRef idx="1">
+            <a:schemeClr val="accent1"/>
+          </a:fillRef>
+          <a:effectRef idx="0">
+            <a:schemeClr val="accent1"/>
+          </a:effectRef>
+          <a:fontRef idx="minor">
+            <a:schemeClr val="lt1"/>
+          </a:fontRef>
+        </p:style>
+        <p:txBody>
+          <a:bodyPr rtlCol="0" anchor="ctr"/>
+          <a:lstStyle/>
+          <a:p>
+            <a:pPr algn="ctr"/>
+            <a:r>
+              <a:rPr lang="en-US" altLang="ko-KR" dirty="0"/>
+              <a:t>SystemA</a:t>
+            </a:r>
+          </a:p>
+          <a:p>
+            <a:pPr algn="ctr"/>
+            <a:r>
+              <a:rPr lang="en-US" altLang="ko-KR" dirty="0"/>
+              <a:t>[SysB]</a:t>
+            </a:r>
+            <a:endParaRPr lang="ko-KR" altLang="en-US" dirty="0"/>
+          </a:p>
+        </p:txBody>
+      </p:sp>
+      <p:grpSp>
+        <p:nvGrpSpPr>
+          <p:cNvPr id="12" name="그룹 11">
+            <a:extLst>
+              <a:ext uri="{FF2B5EF4-FFF2-40B4-BE49-F238E27FC236}">
+                <a16:creationId xmlns:a16="http://schemas.microsoft.com/office/drawing/2014/main" id="{28F1E749-B7AF-5D5F-B20D-DFE5E966619C}"/>
+              </a:ext>
+            </a:extLst>
+          </p:cNvPr>
+          <p:cNvGrpSpPr/>
+          <p:nvPr/>
+        </p:nvGrpSpPr>
+        <p:grpSpPr>
+          <a:xfrm>
+            <a:off x="1393474" y="3016398"/>
+            <a:ext cx="4313815" cy="3186314"/>
+            <a:chOff x="1393474" y="3016398"/>
+            <a:chExt cx="4313815" cy="3186314"/>
+          </a:xfrm>
+        </p:grpSpPr>
+        <p:sp>
+          <p:nvSpPr>
+            <p:cNvPr id="57" name="TextBox 56">
+              <a:extLst>
+                <a:ext uri="{FF2B5EF4-FFF2-40B4-BE49-F238E27FC236}">
+                  <a16:creationId xmlns:a16="http://schemas.microsoft.com/office/drawing/2014/main" id="{86C0DB17-5983-5AB1-2A10-EF20E8B13F5C}"/>
+                </a:ext>
+              </a:extLst>
+            </p:cNvPr>
+            <p:cNvSpPr txBox="1"/>
+            <p:nvPr/>
+          </p:nvSpPr>
+          <p:spPr>
+            <a:xfrm>
+              <a:off x="2131665" y="5279382"/>
+              <a:ext cx="2938625" cy="923330"/>
+            </a:xfrm>
+            <a:prstGeom prst="rect">
+              <a:avLst/>
+            </a:prstGeom>
+            <a:noFill/>
+          </p:spPr>
+          <p:txBody>
+            <a:bodyPr wrap="none" rtlCol="0">
+              <a:spAutoFit/>
+            </a:bodyPr>
+            <a:lstStyle/>
+            <a:p>
+              <a:r>
+                <a:rPr lang="ko-KR" altLang="en-US" dirty="0"/>
+                <a:t>동시행위그룹</a:t>
+              </a:r>
+              <a:endParaRPr lang="en-US" altLang="ko-KR" dirty="0"/>
+            </a:p>
+            <a:p>
+              <a:endParaRPr lang="en-US" altLang="ko-KR" dirty="0"/>
+            </a:p>
+            <a:p>
+              <a:r>
+                <a:rPr lang="ko-KR" altLang="en-US" dirty="0"/>
+                <a:t>방법</a:t>
+              </a:r>
+              <a:r>
+                <a:rPr lang="en-US" altLang="ko-KR" dirty="0"/>
+                <a:t>: </a:t>
+              </a:r>
+              <a:r>
+                <a:rPr lang="ko-KR" altLang="en-US" dirty="0"/>
+                <a:t>무방향라인으로 연결</a:t>
+              </a:r>
+            </a:p>
+          </p:txBody>
+        </p:sp>
+        <p:grpSp>
+          <p:nvGrpSpPr>
+            <p:cNvPr id="85" name="그룹 84">
+              <a:extLst>
+                <a:ext uri="{FF2B5EF4-FFF2-40B4-BE49-F238E27FC236}">
+                  <a16:creationId xmlns:a16="http://schemas.microsoft.com/office/drawing/2014/main" id="{2D890ED7-C516-89CA-9C90-1843AD20DD18}"/>
+                </a:ext>
+              </a:extLst>
+            </p:cNvPr>
+            <p:cNvGrpSpPr/>
+            <p:nvPr/>
+          </p:nvGrpSpPr>
+          <p:grpSpPr>
+            <a:xfrm>
+              <a:off x="1393474" y="3016398"/>
+              <a:ext cx="4313815" cy="2743200"/>
+              <a:chOff x="1393474" y="3016398"/>
+              <a:chExt cx="4313815" cy="2743200"/>
+            </a:xfrm>
+          </p:grpSpPr>
+          <p:grpSp>
+            <p:nvGrpSpPr>
+              <p:cNvPr id="6" name="그룹 5">
+                <a:extLst>
+                  <a:ext uri="{FF2B5EF4-FFF2-40B4-BE49-F238E27FC236}">
+                    <a16:creationId xmlns:a16="http://schemas.microsoft.com/office/drawing/2014/main" id="{38FAFB92-6594-BE15-75B9-9A824E260EB2}"/>
+                  </a:ext>
+                </a:extLst>
+              </p:cNvPr>
+              <p:cNvGrpSpPr/>
+              <p:nvPr/>
+            </p:nvGrpSpPr>
+            <p:grpSpPr>
+              <a:xfrm>
+                <a:off x="1393474" y="3016398"/>
+                <a:ext cx="4313815" cy="2743200"/>
+                <a:chOff x="1291312" y="2500236"/>
+                <a:chExt cx="9336108" cy="3590925"/>
+              </a:xfrm>
+            </p:grpSpPr>
+            <p:grpSp>
+              <p:nvGrpSpPr>
+                <p:cNvPr id="13" name="그룹 12">
+                  <a:extLst>
+                    <a:ext uri="{FF2B5EF4-FFF2-40B4-BE49-F238E27FC236}">
+                      <a16:creationId xmlns:a16="http://schemas.microsoft.com/office/drawing/2014/main" id="{68273779-0907-B61E-CB28-7C3235EA2C81}"/>
+                    </a:ext>
+                  </a:extLst>
+                </p:cNvPr>
+                <p:cNvGrpSpPr/>
+                <p:nvPr/>
+              </p:nvGrpSpPr>
+              <p:grpSpPr>
+                <a:xfrm>
+                  <a:off x="1291312" y="2500236"/>
+                  <a:ext cx="9336108" cy="3590925"/>
+                  <a:chOff x="1291312" y="2500236"/>
+                  <a:chExt cx="9336108" cy="3590925"/>
+                </a:xfrm>
+              </p:grpSpPr>
+              <p:sp>
+                <p:nvSpPr>
+                  <p:cNvPr id="29" name="직사각형 28">
+                    <a:extLst>
+                      <a:ext uri="{FF2B5EF4-FFF2-40B4-BE49-F238E27FC236}">
+                        <a16:creationId xmlns:a16="http://schemas.microsoft.com/office/drawing/2014/main" id="{42C05E87-EB35-E538-CC97-7625C2644ADD}"/>
+                      </a:ext>
+                    </a:extLst>
+                  </p:cNvPr>
+                  <p:cNvSpPr/>
+                  <p:nvPr/>
+                </p:nvSpPr>
+                <p:spPr>
+                  <a:xfrm>
+                    <a:off x="1291312" y="2500236"/>
+                    <a:ext cx="9336108" cy="3590925"/>
+                  </a:xfrm>
+                  <a:prstGeom prst="rect">
+                    <a:avLst/>
+                  </a:prstGeom>
+                  <a:noFill/>
+                  <a:ln>
+                    <a:solidFill>
+                      <a:schemeClr val="accent1"/>
+                    </a:solidFill>
+                  </a:ln>
+                </p:spPr>
+                <p:style>
+                  <a:lnRef idx="2">
+                    <a:schemeClr val="accent1">
+                      <a:shade val="50000"/>
+                    </a:schemeClr>
+                  </a:lnRef>
+                  <a:fillRef idx="1">
+                    <a:schemeClr val="accent1"/>
+                  </a:fillRef>
+                  <a:effectRef idx="0">
+                    <a:schemeClr val="accent1"/>
+                  </a:effectRef>
+                  <a:fontRef idx="minor">
+                    <a:schemeClr val="lt1"/>
+                  </a:fontRef>
+                </p:style>
+                <p:txBody>
+                  <a:bodyPr rtlCol="0" anchor="t"/>
+                  <a:lstStyle/>
+                  <a:p>
+                    <a:pPr algn="ctr"/>
+                    <a:r>
+                      <a:rPr lang="en-US" altLang="ko-KR" sz="1100" dirty="0">
+                        <a:solidFill>
+                          <a:schemeClr val="tx1"/>
+                        </a:solidFill>
+                      </a:rPr>
+                      <a:t>R1</a:t>
+                    </a:r>
+                    <a:endParaRPr lang="ko-KR" altLang="en-US" sz="600" dirty="0">
+                      <a:solidFill>
+                        <a:schemeClr val="tx1"/>
+                      </a:solidFill>
+                    </a:endParaRPr>
+                  </a:p>
+                </p:txBody>
+              </p:sp>
+              <p:grpSp>
+                <p:nvGrpSpPr>
+                  <p:cNvPr id="31" name="그룹 30">
+                    <a:extLst>
+                      <a:ext uri="{FF2B5EF4-FFF2-40B4-BE49-F238E27FC236}">
+                        <a16:creationId xmlns:a16="http://schemas.microsoft.com/office/drawing/2014/main" id="{BADDBE08-ABD4-230C-B560-729A8A147A38}"/>
+                      </a:ext>
+                    </a:extLst>
+                  </p:cNvPr>
+                  <p:cNvGrpSpPr/>
+                  <p:nvPr/>
+                </p:nvGrpSpPr>
+                <p:grpSpPr>
+                  <a:xfrm>
+                    <a:off x="2319279" y="2903389"/>
+                    <a:ext cx="7145966" cy="2098587"/>
+                    <a:chOff x="2319279" y="2903389"/>
+                    <a:chExt cx="7145966" cy="2098587"/>
+                  </a:xfrm>
+                </p:grpSpPr>
+                <p:sp>
+                  <p:nvSpPr>
+                    <p:cNvPr id="36" name="타원 35">
+                      <a:extLst>
+                        <a:ext uri="{FF2B5EF4-FFF2-40B4-BE49-F238E27FC236}">
+                          <a16:creationId xmlns:a16="http://schemas.microsoft.com/office/drawing/2014/main" id="{754D0C0D-93B9-1942-CAD1-61DF85B607AC}"/>
+                        </a:ext>
+                      </a:extLst>
+                    </p:cNvPr>
+                    <p:cNvSpPr/>
+                    <p:nvPr/>
+                  </p:nvSpPr>
+                  <p:spPr>
+                    <a:xfrm>
+                      <a:off x="2527565" y="4075368"/>
+                      <a:ext cx="2424718" cy="839199"/>
+                    </a:xfrm>
+                    <a:prstGeom prst="ellipse">
+                      <a:avLst/>
+                    </a:prstGeom>
+                    <a:ln>
+                      <a:solidFill>
+                        <a:schemeClr val="accent1"/>
+                      </a:solidFill>
+                    </a:ln>
+                  </p:spPr>
+                  <p:style>
+                    <a:lnRef idx="2">
+                      <a:schemeClr val="accent1">
+                        <a:shade val="50000"/>
+                      </a:schemeClr>
+                    </a:lnRef>
+                    <a:fillRef idx="1">
+                      <a:schemeClr val="accent1"/>
+                    </a:fillRef>
+                    <a:effectRef idx="0">
+                      <a:schemeClr val="accent1"/>
+                    </a:effectRef>
+                    <a:fontRef idx="minor">
+                      <a:schemeClr val="lt1"/>
+                    </a:fontRef>
+                  </p:style>
+                  <p:txBody>
+                    <a:bodyPr rtlCol="0" anchor="ctr"/>
+                    <a:lstStyle/>
+                    <a:p>
+                      <a:pPr algn="ctr"/>
+                      <a:r>
+                        <a:rPr lang="en-US" altLang="ko-KR" sz="1000" dirty="0"/>
+                        <a:t>SysB</a:t>
+                      </a:r>
+                    </a:p>
+                    <a:p>
+                      <a:pPr algn="ctr"/>
+                      <a:r>
+                        <a:rPr lang="en-US" altLang="ko-KR" sz="1000" dirty="0"/>
+                        <a:t>.Func2</a:t>
+                      </a:r>
+                      <a:endParaRPr lang="ko-KR" altLang="en-US" sz="1000" dirty="0"/>
+                    </a:p>
+                  </p:txBody>
+                </p:sp>
+                <p:sp>
+                  <p:nvSpPr>
+                    <p:cNvPr id="37" name="타원 36">
+                      <a:extLst>
+                        <a:ext uri="{FF2B5EF4-FFF2-40B4-BE49-F238E27FC236}">
+                          <a16:creationId xmlns:a16="http://schemas.microsoft.com/office/drawing/2014/main" id="{3D11B9FE-E621-4D6E-3D63-CDAC8934FEEF}"/>
+                        </a:ext>
+                      </a:extLst>
+                    </p:cNvPr>
+                    <p:cNvSpPr/>
+                    <p:nvPr/>
+                  </p:nvSpPr>
+                  <p:spPr>
+                    <a:xfrm>
+                      <a:off x="2319279" y="2903389"/>
+                      <a:ext cx="2777936" cy="798818"/>
+                    </a:xfrm>
+                    <a:prstGeom prst="ellipse">
+                      <a:avLst/>
+                    </a:prstGeom>
+                    <a:ln>
+                      <a:solidFill>
+                        <a:schemeClr val="accent1"/>
+                      </a:solidFill>
+                    </a:ln>
+                  </p:spPr>
+                  <p:style>
+                    <a:lnRef idx="2">
+                      <a:schemeClr val="accent1">
+                        <a:shade val="50000"/>
+                      </a:schemeClr>
+                    </a:lnRef>
+                    <a:fillRef idx="1">
+                      <a:schemeClr val="accent1"/>
+                    </a:fillRef>
+                    <a:effectRef idx="0">
+                      <a:schemeClr val="accent1"/>
+                    </a:effectRef>
+                    <a:fontRef idx="minor">
+                      <a:schemeClr val="lt1"/>
+                    </a:fontRef>
+                  </p:style>
+                  <p:txBody>
+                    <a:bodyPr rtlCol="0" anchor="ctr"/>
+                    <a:lstStyle/>
+                    <a:p>
+                      <a:pPr algn="ctr"/>
+                      <a:r>
+                        <a:rPr lang="en-US" altLang="ko-KR" sz="900" dirty="0"/>
+                        <a:t>SysB</a:t>
+                      </a:r>
+                    </a:p>
+                    <a:p>
+                      <a:pPr algn="ctr"/>
+                      <a:r>
+                        <a:rPr lang="en-US" altLang="ko-KR" sz="900" dirty="0"/>
+                        <a:t>.Func1</a:t>
+                      </a:r>
+                      <a:endParaRPr lang="ko-KR" altLang="en-US" sz="900" dirty="0"/>
+                    </a:p>
+                  </p:txBody>
+                </p:sp>
+                <p:sp>
+                  <p:nvSpPr>
+                    <p:cNvPr id="7" name="타원 6">
+                      <a:extLst>
+                        <a:ext uri="{FF2B5EF4-FFF2-40B4-BE49-F238E27FC236}">
+                          <a16:creationId xmlns:a16="http://schemas.microsoft.com/office/drawing/2014/main" id="{6C9C7DED-2AAA-3CE9-E3D6-74EE5BBF72C8}"/>
+                        </a:ext>
+                      </a:extLst>
+                    </p:cNvPr>
+                    <p:cNvSpPr/>
+                    <p:nvPr/>
+                  </p:nvSpPr>
+                  <p:spPr>
+                    <a:xfrm>
+                      <a:off x="7040527" y="4162777"/>
+                      <a:ext cx="2424718" cy="839199"/>
+                    </a:xfrm>
+                    <a:prstGeom prst="ellipse">
+                      <a:avLst/>
+                    </a:prstGeom>
+                    <a:ln>
+                      <a:solidFill>
+                        <a:schemeClr val="accent1"/>
+                      </a:solidFill>
+                    </a:ln>
+                  </p:spPr>
+                  <p:style>
+                    <a:lnRef idx="2">
+                      <a:schemeClr val="accent1">
+                        <a:shade val="50000"/>
+                      </a:schemeClr>
+                    </a:lnRef>
+                    <a:fillRef idx="1">
+                      <a:schemeClr val="accent1"/>
+                    </a:fillRef>
+                    <a:effectRef idx="0">
+                      <a:schemeClr val="accent1"/>
+                    </a:effectRef>
+                    <a:fontRef idx="minor">
+                      <a:schemeClr val="lt1"/>
+                    </a:fontRef>
+                  </p:style>
+                  <p:txBody>
+                    <a:bodyPr rtlCol="0" anchor="ctr"/>
+                    <a:lstStyle/>
+                    <a:p>
+                      <a:pPr algn="ctr"/>
+                      <a:r>
+                        <a:rPr lang="en-US" altLang="ko-KR" sz="1000" dirty="0"/>
+                        <a:t>SysB</a:t>
+                      </a:r>
+                    </a:p>
+                    <a:p>
+                      <a:pPr algn="ctr"/>
+                      <a:r>
+                        <a:rPr lang="en-US" altLang="ko-KR" sz="1000" dirty="0"/>
+                        <a:t>.Func2</a:t>
+                      </a:r>
+                      <a:endParaRPr lang="ko-KR" altLang="en-US" sz="1000" dirty="0"/>
+                    </a:p>
+                  </p:txBody>
+                </p:sp>
+              </p:grpSp>
+            </p:grpSp>
+            <p:sp>
+              <p:nvSpPr>
+                <p:cNvPr id="23" name="타원 22">
+                  <a:extLst>
+                    <a:ext uri="{FF2B5EF4-FFF2-40B4-BE49-F238E27FC236}">
+                      <a16:creationId xmlns:a16="http://schemas.microsoft.com/office/drawing/2014/main" id="{2A59823F-60D6-767B-7621-A1E673C5E6F1}"/>
+                    </a:ext>
+                  </a:extLst>
+                </p:cNvPr>
+                <p:cNvSpPr/>
+                <p:nvPr/>
+              </p:nvSpPr>
+              <p:spPr>
+                <a:xfrm>
+                  <a:off x="7040526" y="2883199"/>
+                  <a:ext cx="2424718" cy="839199"/>
+                </a:xfrm>
+                <a:prstGeom prst="ellipse">
+                  <a:avLst/>
+                </a:prstGeom>
+              </p:spPr>
+              <p:style>
+                <a:lnRef idx="2">
+                  <a:schemeClr val="accent1">
+                    <a:shade val="50000"/>
+                  </a:schemeClr>
+                </a:lnRef>
+                <a:fillRef idx="1">
+                  <a:schemeClr val="accent1"/>
+                </a:fillRef>
+                <a:effectRef idx="0">
+                  <a:schemeClr val="accent1"/>
+                </a:effectRef>
+                <a:fontRef idx="minor">
+                  <a:schemeClr val="lt1"/>
+                </a:fontRef>
+              </p:style>
+              <p:txBody>
+                <a:bodyPr rtlCol="0" anchor="ctr"/>
+                <a:lstStyle/>
+                <a:p>
+                  <a:pPr algn="ctr"/>
+                  <a:r>
+                    <a:rPr lang="en-US" altLang="ko-KR" sz="1000" dirty="0"/>
+                    <a:t>SysB</a:t>
+                  </a:r>
+                </a:p>
+                <a:p>
+                  <a:pPr algn="ctr"/>
+                  <a:r>
+                    <a:rPr lang="en-US" altLang="ko-KR" sz="1000" dirty="0"/>
+                    <a:t>.Func1</a:t>
+                  </a:r>
+                  <a:endParaRPr lang="ko-KR" altLang="en-US" sz="1000" dirty="0"/>
+                </a:p>
+              </p:txBody>
+            </p:sp>
+          </p:grpSp>
+          <p:cxnSp>
+            <p:nvCxnSpPr>
+              <p:cNvPr id="84" name="직선 화살표 연결선 83">
+                <a:extLst>
+                  <a:ext uri="{FF2B5EF4-FFF2-40B4-BE49-F238E27FC236}">
+                    <a16:creationId xmlns:a16="http://schemas.microsoft.com/office/drawing/2014/main" id="{708FC434-C24E-8760-3603-8866FDA68F02}"/>
+                  </a:ext>
+                </a:extLst>
+              </p:cNvPr>
+              <p:cNvCxnSpPr>
+                <a:cxnSpLocks/>
+                <a:stCxn id="37" idx="6"/>
+                <a:endCxn id="23" idx="2"/>
+              </p:cNvCxnSpPr>
+              <p:nvPr/>
+            </p:nvCxnSpPr>
+            <p:spPr>
+              <a:xfrm>
+                <a:off x="3152018" y="3629496"/>
+                <a:ext cx="897921" cy="0"/>
+              </a:xfrm>
+              <a:prstGeom prst="straightConnector1">
+                <a:avLst/>
+              </a:prstGeom>
+              <a:ln>
+                <a:tailEnd type="triangle"/>
+              </a:ln>
+            </p:spPr>
+            <p:style>
+              <a:lnRef idx="1">
+                <a:schemeClr val="accent1"/>
+              </a:lnRef>
+              <a:fillRef idx="0">
+                <a:schemeClr val="accent1"/>
+              </a:fillRef>
+              <a:effectRef idx="0">
+                <a:schemeClr val="accent1"/>
+              </a:effectRef>
+              <a:fontRef idx="minor">
+                <a:schemeClr val="tx1"/>
+              </a:fontRef>
+            </p:style>
+          </p:cxnSp>
+        </p:grpSp>
+        <p:cxnSp>
+          <p:nvCxnSpPr>
+            <p:cNvPr id="5" name="직선 연결선 4">
+              <a:extLst>
+                <a:ext uri="{FF2B5EF4-FFF2-40B4-BE49-F238E27FC236}">
+                  <a16:creationId xmlns:a16="http://schemas.microsoft.com/office/drawing/2014/main" id="{B2903C9A-7E9D-7B92-E96B-7F51C8E29520}"/>
+                </a:ext>
+              </a:extLst>
+            </p:cNvPr>
+            <p:cNvCxnSpPr>
+              <a:stCxn id="37" idx="4"/>
+              <a:endCxn id="36" idx="0"/>
+            </p:cNvCxnSpPr>
+            <p:nvPr/>
+          </p:nvCxnSpPr>
+          <p:spPr>
+            <a:xfrm>
+              <a:off x="2510236" y="3934615"/>
+              <a:ext cx="14636" cy="285067"/>
+            </a:xfrm>
+            <a:prstGeom prst="line">
+              <a:avLst/>
+            </a:prstGeom>
+          </p:spPr>
+          <p:style>
+            <a:lnRef idx="1">
+              <a:schemeClr val="accent1"/>
+            </a:lnRef>
+            <a:fillRef idx="0">
+              <a:schemeClr val="accent1"/>
+            </a:fillRef>
+            <a:effectRef idx="0">
+              <a:schemeClr val="accent1"/>
+            </a:effectRef>
+            <a:fontRef idx="minor">
+              <a:schemeClr val="tx1"/>
+            </a:fontRef>
+          </p:style>
+        </p:cxnSp>
+        <p:cxnSp>
+          <p:nvCxnSpPr>
+            <p:cNvPr id="8" name="직선 연결선 7">
+              <a:extLst>
+                <a:ext uri="{FF2B5EF4-FFF2-40B4-BE49-F238E27FC236}">
+                  <a16:creationId xmlns:a16="http://schemas.microsoft.com/office/drawing/2014/main" id="{203441F8-3A83-E33C-09A1-92C4A3952B0D}"/>
+                </a:ext>
+              </a:extLst>
+            </p:cNvPr>
+            <p:cNvCxnSpPr>
+              <a:cxnSpLocks/>
+              <a:stCxn id="23" idx="4"/>
+              <a:endCxn id="7" idx="0"/>
+            </p:cNvCxnSpPr>
+            <p:nvPr/>
+          </p:nvCxnSpPr>
+          <p:spPr>
+            <a:xfrm>
+              <a:off x="4610118" y="3950039"/>
+              <a:ext cx="0" cy="336417"/>
+            </a:xfrm>
+            <a:prstGeom prst="line">
+              <a:avLst/>
+            </a:prstGeom>
+          </p:spPr>
+          <p:style>
+            <a:lnRef idx="1">
+              <a:schemeClr val="accent1"/>
+            </a:lnRef>
+            <a:fillRef idx="0">
+              <a:schemeClr val="accent1"/>
+            </a:fillRef>
+            <a:effectRef idx="0">
+              <a:schemeClr val="accent1"/>
+            </a:effectRef>
+            <a:fontRef idx="minor">
+              <a:schemeClr val="tx1"/>
+            </a:fontRef>
+          </p:style>
+        </p:cxnSp>
+      </p:grpSp>
+      <p:sp>
+        <p:nvSpPr>
+          <p:cNvPr id="3" name="&quot;허용 안 됨&quot; 기호 2">
+            <a:extLst>
+              <a:ext uri="{FF2B5EF4-FFF2-40B4-BE49-F238E27FC236}">
+                <a16:creationId xmlns:a16="http://schemas.microsoft.com/office/drawing/2014/main" id="{71150BE1-6B5C-1750-73A3-25D64C876AFF}"/>
+              </a:ext>
+            </a:extLst>
+          </p:cNvPr>
+          <p:cNvSpPr/>
+          <p:nvPr/>
+        </p:nvSpPr>
+        <p:spPr>
+          <a:xfrm>
+            <a:off x="9457771" y="1325620"/>
+            <a:ext cx="1772204" cy="1690778"/>
+          </a:xfrm>
+          <a:prstGeom prst="noSmoking">
+            <a:avLst/>
+          </a:prstGeom>
+          <a:ln>
+            <a:solidFill>
+              <a:schemeClr val="tx1"/>
+            </a:solidFill>
+          </a:ln>
+        </p:spPr>
+        <p:style>
+          <a:lnRef idx="2">
+            <a:schemeClr val="accent1">
+              <a:shade val="50000"/>
+            </a:schemeClr>
+          </a:lnRef>
+          <a:fillRef idx="1">
+            <a:schemeClr val="accent1"/>
+          </a:fillRef>
+          <a:effectRef idx="0">
+            <a:schemeClr val="accent1"/>
+          </a:effectRef>
+          <a:fontRef idx="minor">
+            <a:schemeClr val="lt1"/>
+          </a:fontRef>
+        </p:style>
+        <p:txBody>
+          <a:bodyPr rtlCol="0" anchor="ctr"/>
+          <a:lstStyle/>
+          <a:p>
+            <a:pPr algn="ctr"/>
+            <a:r>
+              <a:rPr lang="en-US" altLang="ko-KR" dirty="0" err="1">
+                <a:solidFill>
+                  <a:schemeClr val="tx1"/>
+                </a:solidFill>
+              </a:rPr>
+              <a:t>EMG1</a:t>
+            </a:r>
+            <a:endParaRPr lang="ko-KR" altLang="en-US" dirty="0">
+              <a:solidFill>
+                <a:schemeClr val="tx1"/>
+              </a:solidFill>
+            </a:endParaRPr>
+          </a:p>
+        </p:txBody>
+      </p:sp>
+    </p:spTree>
+    <p:extLst>
+      <p:ext uri="{BB962C8B-B14F-4D97-AF65-F5344CB8AC3E}">
+        <p14:creationId xmlns:p14="http://schemas.microsoft.com/office/powerpoint/2010/main" val="1541319358"/>
       </p:ext>
     </p:extLst>
   </p:cSld>

--- a/DsDotNet/src/UnitTest/UnitTest.Engine/ImportPPT/T10_Button.pptx
+++ b/DsDotNet/src/UnitTest/UnitTest.Engine/ImportPPT/T10_Button.pptx
@@ -218,7 +218,7 @@
           <a:p>
             <a:fld id="{DD503887-5801-43A0-AEF9-041E8DDC2558}" type="datetimeFigureOut">
               <a:rPr lang="ko-KR" altLang="en-US" smtClean="0"/>
-              <a:t>2022-11-09</a:t>
+              <a:t>2022-12-07</a:t>
             </a:fld>
             <a:endParaRPr lang="ko-KR" altLang="en-US" dirty="0"/>
           </a:p>
@@ -395,7 +395,7 @@
           <a:p>
             <a:fld id="{95336A0E-57B1-4D4C-BD9B-2F72B5943464}" type="datetimeFigureOut">
               <a:rPr lang="ko-KR" altLang="en-US" smtClean="0"/>
-              <a:t>2022-11-09</a:t>
+              <a:t>2022-12-07</a:t>
             </a:fld>
             <a:endParaRPr lang="ko-KR" altLang="en-US" dirty="0"/>
           </a:p>
@@ -1165,7 +1165,7 @@
           <a:p>
             <a:fld id="{229D12C7-0FF5-4972-A033-474EFFC79F40}" type="datetime1">
               <a:rPr lang="ko-KR" altLang="en-US" smtClean="0"/>
-              <a:t>2022-11-09</a:t>
+              <a:t>2022-12-07</a:t>
             </a:fld>
             <a:endParaRPr lang="ko-KR" altLang="en-US" dirty="0"/>
           </a:p>
@@ -1363,7 +1363,7 @@
           <a:p>
             <a:fld id="{5BA19FD4-B052-4F56-8FD8-EAFD078DEFB0}" type="datetime1">
               <a:rPr lang="ko-KR" altLang="en-US" smtClean="0"/>
-              <a:t>2022-11-09</a:t>
+              <a:t>2022-12-07</a:t>
             </a:fld>
             <a:endParaRPr lang="ko-KR" altLang="en-US" dirty="0"/>
           </a:p>
@@ -1571,7 +1571,7 @@
           <a:p>
             <a:fld id="{024994B9-23A6-4B0A-A038-AC140E83DAA3}" type="datetime1">
               <a:rPr lang="ko-KR" altLang="en-US" smtClean="0"/>
-              <a:t>2022-11-09</a:t>
+              <a:t>2022-12-07</a:t>
             </a:fld>
             <a:endParaRPr lang="ko-KR" altLang="en-US" dirty="0"/>
           </a:p>
@@ -1769,7 +1769,7 @@
           <a:p>
             <a:fld id="{70D0DAB2-87CB-4028-B965-3AA710ADF2CB}" type="datetime1">
               <a:rPr lang="ko-KR" altLang="en-US" smtClean="0"/>
-              <a:t>2022-11-09</a:t>
+              <a:t>2022-12-07</a:t>
             </a:fld>
             <a:endParaRPr lang="ko-KR" altLang="en-US" dirty="0"/>
           </a:p>
@@ -2044,7 +2044,7 @@
           <a:p>
             <a:fld id="{63FA3D71-FEA8-477F-9D1E-EA860F411BC7}" type="datetime1">
               <a:rPr lang="ko-KR" altLang="en-US" smtClean="0"/>
-              <a:t>2022-11-09</a:t>
+              <a:t>2022-12-07</a:t>
             </a:fld>
             <a:endParaRPr lang="ko-KR" altLang="en-US" dirty="0"/>
           </a:p>
@@ -2309,7 +2309,7 @@
           <a:p>
             <a:fld id="{F58E3EF4-7980-4C97-BA64-EC66995BB574}" type="datetime1">
               <a:rPr lang="ko-KR" altLang="en-US" smtClean="0"/>
-              <a:t>2022-11-09</a:t>
+              <a:t>2022-12-07</a:t>
             </a:fld>
             <a:endParaRPr lang="ko-KR" altLang="en-US" dirty="0"/>
           </a:p>
@@ -2721,7 +2721,7 @@
           <a:p>
             <a:fld id="{FC9BC1D0-7D6B-4634-9D19-644040D74EAE}" type="datetime1">
               <a:rPr lang="ko-KR" altLang="en-US" smtClean="0"/>
-              <a:t>2022-11-09</a:t>
+              <a:t>2022-12-07</a:t>
             </a:fld>
             <a:endParaRPr lang="ko-KR" altLang="en-US" dirty="0"/>
           </a:p>
@@ -2863,7 +2863,7 @@
           <a:p>
             <a:fld id="{B5B1BBC2-B738-4C35-AEE5-660EB2DEB482}" type="datetime1">
               <a:rPr lang="ko-KR" altLang="en-US" smtClean="0"/>
-              <a:t>2022-11-09</a:t>
+              <a:t>2022-12-07</a:t>
             </a:fld>
             <a:endParaRPr lang="ko-KR" altLang="en-US" dirty="0"/>
           </a:p>
@@ -7445,7 +7445,7 @@
           <a:p>
             <a:fld id="{C60E9F93-7E77-4F36-B88C-A425F00C8D91}" type="datetime1">
               <a:rPr lang="ko-KR" altLang="en-US" smtClean="0"/>
-              <a:t>2022-11-09</a:t>
+              <a:t>2022-12-07</a:t>
             </a:fld>
             <a:endParaRPr lang="ko-KR" altLang="en-US" dirty="0"/>
           </a:p>
@@ -7756,7 +7756,7 @@
           <a:p>
             <a:fld id="{36BCCD0E-2A54-4016-BFFC-FEAABCDA6915}" type="datetime1">
               <a:rPr lang="ko-KR" altLang="en-US" smtClean="0"/>
-              <a:t>2022-11-09</a:t>
+              <a:t>2022-12-07</a:t>
             </a:fld>
             <a:endParaRPr lang="ko-KR" altLang="en-US" dirty="0"/>
           </a:p>
@@ -8044,7 +8044,7 @@
           <a:p>
             <a:fld id="{AAF69562-79F1-43EA-AE78-EAD8DB3AEC1A}" type="datetime1">
               <a:rPr lang="ko-KR" altLang="en-US" smtClean="0"/>
-              <a:t>2022-11-09</a:t>
+              <a:t>2022-12-07</a:t>
             </a:fld>
             <a:endParaRPr lang="ko-KR" altLang="en-US" dirty="0"/>
           </a:p>
@@ -8285,7 +8285,7 @@
           <a:p>
             <a:fld id="{C984B0C4-64BA-4E4C-B5E6-A51EE3F6ED95}" type="datetime1">
               <a:rPr lang="ko-KR" altLang="en-US" smtClean="0"/>
-              <a:t>2022-11-09</a:t>
+              <a:t>2022-12-07</a:t>
             </a:fld>
             <a:endParaRPr lang="ko-KR" altLang="en-US" dirty="0"/>
           </a:p>
@@ -8871,7 +8871,7 @@
           <a:p>
             <a:r>
               <a:rPr lang="en-US" altLang="ko-KR" dirty="0"/>
-              <a:t>$SystemA</a:t>
+              <a:t>SystemA</a:t>
             </a:r>
             <a:endParaRPr lang="ko-KR" altLang="en-US" dirty="0"/>
           </a:p>
@@ -9834,650 +9834,6 @@
       </p:sp>
       <p:sp>
         <p:nvSpPr>
-          <p:cNvPr id="9" name="사각형: 모서리가 접힌 도형 8">
-            <a:extLst>
-              <a:ext uri="{FF2B5EF4-FFF2-40B4-BE49-F238E27FC236}">
-                <a16:creationId xmlns:a16="http://schemas.microsoft.com/office/drawing/2014/main" id="{F5FB5C8C-5FE0-3210-B09B-4F8A898BE653}"/>
-              </a:ext>
-            </a:extLst>
-          </p:cNvPr>
-          <p:cNvSpPr/>
-          <p:nvPr/>
-        </p:nvSpPr>
-        <p:spPr>
-          <a:xfrm>
-            <a:off x="10178351" y="-186582"/>
-            <a:ext cx="2009775" cy="1352550"/>
-          </a:xfrm>
-          <a:prstGeom prst="foldedCorner">
-            <a:avLst/>
-          </a:prstGeom>
-        </p:spPr>
-        <p:style>
-          <a:lnRef idx="2">
-            <a:schemeClr val="accent1">
-              <a:shade val="50000"/>
-            </a:schemeClr>
-          </a:lnRef>
-          <a:fillRef idx="1">
-            <a:schemeClr val="accent1"/>
-          </a:fillRef>
-          <a:effectRef idx="0">
-            <a:schemeClr val="accent1"/>
-          </a:effectRef>
-          <a:fontRef idx="minor">
-            <a:schemeClr val="lt1"/>
-          </a:fontRef>
-        </p:style>
-        <p:txBody>
-          <a:bodyPr rtlCol="0" anchor="ctr"/>
-          <a:lstStyle/>
-          <a:p>
-            <a:pPr algn="ctr"/>
-            <a:r>
-              <a:rPr lang="en-US" altLang="ko-KR" dirty="0"/>
-              <a:t>SystemA</a:t>
-            </a:r>
-          </a:p>
-          <a:p>
-            <a:pPr algn="ctr"/>
-            <a:r>
-              <a:rPr lang="en-US" altLang="ko-KR" dirty="0"/>
-              <a:t>[SysB]</a:t>
-            </a:r>
-            <a:endParaRPr lang="ko-KR" altLang="en-US" dirty="0"/>
-          </a:p>
-        </p:txBody>
-      </p:sp>
-      <p:grpSp>
-        <p:nvGrpSpPr>
-          <p:cNvPr id="12" name="그룹 11">
-            <a:extLst>
-              <a:ext uri="{FF2B5EF4-FFF2-40B4-BE49-F238E27FC236}">
-                <a16:creationId xmlns:a16="http://schemas.microsoft.com/office/drawing/2014/main" id="{28F1E749-B7AF-5D5F-B20D-DFE5E966619C}"/>
-              </a:ext>
-            </a:extLst>
-          </p:cNvPr>
-          <p:cNvGrpSpPr/>
-          <p:nvPr/>
-        </p:nvGrpSpPr>
-        <p:grpSpPr>
-          <a:xfrm>
-            <a:off x="1393474" y="3016398"/>
-            <a:ext cx="4313815" cy="3186314"/>
-            <a:chOff x="1393474" y="3016398"/>
-            <a:chExt cx="4313815" cy="3186314"/>
-          </a:xfrm>
-        </p:grpSpPr>
-        <p:sp>
-          <p:nvSpPr>
-            <p:cNvPr id="57" name="TextBox 56">
-              <a:extLst>
-                <a:ext uri="{FF2B5EF4-FFF2-40B4-BE49-F238E27FC236}">
-                  <a16:creationId xmlns:a16="http://schemas.microsoft.com/office/drawing/2014/main" id="{86C0DB17-5983-5AB1-2A10-EF20E8B13F5C}"/>
-                </a:ext>
-              </a:extLst>
-            </p:cNvPr>
-            <p:cNvSpPr txBox="1"/>
-            <p:nvPr/>
-          </p:nvSpPr>
-          <p:spPr>
-            <a:xfrm>
-              <a:off x="2131665" y="5279382"/>
-              <a:ext cx="2938625" cy="923330"/>
-            </a:xfrm>
-            <a:prstGeom prst="rect">
-              <a:avLst/>
-            </a:prstGeom>
-            <a:noFill/>
-          </p:spPr>
-          <p:txBody>
-            <a:bodyPr wrap="none" rtlCol="0">
-              <a:spAutoFit/>
-            </a:bodyPr>
-            <a:lstStyle/>
-            <a:p>
-              <a:r>
-                <a:rPr lang="ko-KR" altLang="en-US" dirty="0"/>
-                <a:t>동시행위그룹</a:t>
-              </a:r>
-              <a:endParaRPr lang="en-US" altLang="ko-KR" dirty="0"/>
-            </a:p>
-            <a:p>
-              <a:endParaRPr lang="en-US" altLang="ko-KR" dirty="0"/>
-            </a:p>
-            <a:p>
-              <a:r>
-                <a:rPr lang="ko-KR" altLang="en-US" dirty="0"/>
-                <a:t>방법</a:t>
-              </a:r>
-              <a:r>
-                <a:rPr lang="en-US" altLang="ko-KR" dirty="0"/>
-                <a:t>: </a:t>
-              </a:r>
-              <a:r>
-                <a:rPr lang="ko-KR" altLang="en-US" dirty="0"/>
-                <a:t>무방향라인으로 연결</a:t>
-              </a:r>
-            </a:p>
-          </p:txBody>
-        </p:sp>
-        <p:grpSp>
-          <p:nvGrpSpPr>
-            <p:cNvPr id="85" name="그룹 84">
-              <a:extLst>
-                <a:ext uri="{FF2B5EF4-FFF2-40B4-BE49-F238E27FC236}">
-                  <a16:creationId xmlns:a16="http://schemas.microsoft.com/office/drawing/2014/main" id="{2D890ED7-C516-89CA-9C90-1843AD20DD18}"/>
-                </a:ext>
-              </a:extLst>
-            </p:cNvPr>
-            <p:cNvGrpSpPr/>
-            <p:nvPr/>
-          </p:nvGrpSpPr>
-          <p:grpSpPr>
-            <a:xfrm>
-              <a:off x="1393474" y="3016398"/>
-              <a:ext cx="4313815" cy="2743200"/>
-              <a:chOff x="1393474" y="3016398"/>
-              <a:chExt cx="4313815" cy="2743200"/>
-            </a:xfrm>
-          </p:grpSpPr>
-          <p:grpSp>
-            <p:nvGrpSpPr>
-              <p:cNvPr id="6" name="그룹 5">
-                <a:extLst>
-                  <a:ext uri="{FF2B5EF4-FFF2-40B4-BE49-F238E27FC236}">
-                    <a16:creationId xmlns:a16="http://schemas.microsoft.com/office/drawing/2014/main" id="{38FAFB92-6594-BE15-75B9-9A824E260EB2}"/>
-                  </a:ext>
-                </a:extLst>
-              </p:cNvPr>
-              <p:cNvGrpSpPr/>
-              <p:nvPr/>
-            </p:nvGrpSpPr>
-            <p:grpSpPr>
-              <a:xfrm>
-                <a:off x="1393474" y="3016398"/>
-                <a:ext cx="4313815" cy="2743200"/>
-                <a:chOff x="1291312" y="2500236"/>
-                <a:chExt cx="9336108" cy="3590925"/>
-              </a:xfrm>
-            </p:grpSpPr>
-            <p:grpSp>
-              <p:nvGrpSpPr>
-                <p:cNvPr id="13" name="그룹 12">
-                  <a:extLst>
-                    <a:ext uri="{FF2B5EF4-FFF2-40B4-BE49-F238E27FC236}">
-                      <a16:creationId xmlns:a16="http://schemas.microsoft.com/office/drawing/2014/main" id="{68273779-0907-B61E-CB28-7C3235EA2C81}"/>
-                    </a:ext>
-                  </a:extLst>
-                </p:cNvPr>
-                <p:cNvGrpSpPr/>
-                <p:nvPr/>
-              </p:nvGrpSpPr>
-              <p:grpSpPr>
-                <a:xfrm>
-                  <a:off x="1291312" y="2500236"/>
-                  <a:ext cx="9336108" cy="3590925"/>
-                  <a:chOff x="1291312" y="2500236"/>
-                  <a:chExt cx="9336108" cy="3590925"/>
-                </a:xfrm>
-              </p:grpSpPr>
-              <p:sp>
-                <p:nvSpPr>
-                  <p:cNvPr id="29" name="직사각형 28">
-                    <a:extLst>
-                      <a:ext uri="{FF2B5EF4-FFF2-40B4-BE49-F238E27FC236}">
-                        <a16:creationId xmlns:a16="http://schemas.microsoft.com/office/drawing/2014/main" id="{42C05E87-EB35-E538-CC97-7625C2644ADD}"/>
-                      </a:ext>
-                    </a:extLst>
-                  </p:cNvPr>
-                  <p:cNvSpPr/>
-                  <p:nvPr/>
-                </p:nvSpPr>
-                <p:spPr>
-                  <a:xfrm>
-                    <a:off x="1291312" y="2500236"/>
-                    <a:ext cx="9336108" cy="3590925"/>
-                  </a:xfrm>
-                  <a:prstGeom prst="rect">
-                    <a:avLst/>
-                  </a:prstGeom>
-                  <a:noFill/>
-                  <a:ln>
-                    <a:solidFill>
-                      <a:schemeClr val="accent1"/>
-                    </a:solidFill>
-                  </a:ln>
-                </p:spPr>
-                <p:style>
-                  <a:lnRef idx="2">
-                    <a:schemeClr val="accent1">
-                      <a:shade val="50000"/>
-                    </a:schemeClr>
-                  </a:lnRef>
-                  <a:fillRef idx="1">
-                    <a:schemeClr val="accent1"/>
-                  </a:fillRef>
-                  <a:effectRef idx="0">
-                    <a:schemeClr val="accent1"/>
-                  </a:effectRef>
-                  <a:fontRef idx="minor">
-                    <a:schemeClr val="lt1"/>
-                  </a:fontRef>
-                </p:style>
-                <p:txBody>
-                  <a:bodyPr rtlCol="0" anchor="t"/>
-                  <a:lstStyle/>
-                  <a:p>
-                    <a:pPr algn="ctr"/>
-                    <a:r>
-                      <a:rPr lang="en-US" altLang="ko-KR" sz="1100" dirty="0">
-                        <a:solidFill>
-                          <a:schemeClr val="tx1"/>
-                        </a:solidFill>
-                      </a:rPr>
-                      <a:t>R1</a:t>
-                    </a:r>
-                    <a:endParaRPr lang="ko-KR" altLang="en-US" sz="600" dirty="0">
-                      <a:solidFill>
-                        <a:schemeClr val="tx1"/>
-                      </a:solidFill>
-                    </a:endParaRPr>
-                  </a:p>
-                </p:txBody>
-              </p:sp>
-              <p:grpSp>
-                <p:nvGrpSpPr>
-                  <p:cNvPr id="31" name="그룹 30">
-                    <a:extLst>
-                      <a:ext uri="{FF2B5EF4-FFF2-40B4-BE49-F238E27FC236}">
-                        <a16:creationId xmlns:a16="http://schemas.microsoft.com/office/drawing/2014/main" id="{BADDBE08-ABD4-230C-B560-729A8A147A38}"/>
-                      </a:ext>
-                    </a:extLst>
-                  </p:cNvPr>
-                  <p:cNvGrpSpPr/>
-                  <p:nvPr/>
-                </p:nvGrpSpPr>
-                <p:grpSpPr>
-                  <a:xfrm>
-                    <a:off x="2319279" y="2903389"/>
-                    <a:ext cx="7145966" cy="2098587"/>
-                    <a:chOff x="2319279" y="2903389"/>
-                    <a:chExt cx="7145966" cy="2098587"/>
-                  </a:xfrm>
-                </p:grpSpPr>
-                <p:sp>
-                  <p:nvSpPr>
-                    <p:cNvPr id="36" name="타원 35">
-                      <a:extLst>
-                        <a:ext uri="{FF2B5EF4-FFF2-40B4-BE49-F238E27FC236}">
-                          <a16:creationId xmlns:a16="http://schemas.microsoft.com/office/drawing/2014/main" id="{754D0C0D-93B9-1942-CAD1-61DF85B607AC}"/>
-                        </a:ext>
-                      </a:extLst>
-                    </p:cNvPr>
-                    <p:cNvSpPr/>
-                    <p:nvPr/>
-                  </p:nvSpPr>
-                  <p:spPr>
-                    <a:xfrm>
-                      <a:off x="2527565" y="4075368"/>
-                      <a:ext cx="2424718" cy="839199"/>
-                    </a:xfrm>
-                    <a:prstGeom prst="ellipse">
-                      <a:avLst/>
-                    </a:prstGeom>
-                    <a:ln>
-                      <a:solidFill>
-                        <a:schemeClr val="accent1"/>
-                      </a:solidFill>
-                    </a:ln>
-                  </p:spPr>
-                  <p:style>
-                    <a:lnRef idx="2">
-                      <a:schemeClr val="accent1">
-                        <a:shade val="50000"/>
-                      </a:schemeClr>
-                    </a:lnRef>
-                    <a:fillRef idx="1">
-                      <a:schemeClr val="accent1"/>
-                    </a:fillRef>
-                    <a:effectRef idx="0">
-                      <a:schemeClr val="accent1"/>
-                    </a:effectRef>
-                    <a:fontRef idx="minor">
-                      <a:schemeClr val="lt1"/>
-                    </a:fontRef>
-                  </p:style>
-                  <p:txBody>
-                    <a:bodyPr rtlCol="0" anchor="ctr"/>
-                    <a:lstStyle/>
-                    <a:p>
-                      <a:pPr algn="ctr"/>
-                      <a:r>
-                        <a:rPr lang="en-US" altLang="ko-KR" sz="1000" dirty="0"/>
-                        <a:t>SysB</a:t>
-                      </a:r>
-                    </a:p>
-                    <a:p>
-                      <a:pPr algn="ctr"/>
-                      <a:r>
-                        <a:rPr lang="en-US" altLang="ko-KR" sz="1000" dirty="0"/>
-                        <a:t>.Func2</a:t>
-                      </a:r>
-                      <a:endParaRPr lang="ko-KR" altLang="en-US" sz="1000" dirty="0"/>
-                    </a:p>
-                  </p:txBody>
-                </p:sp>
-                <p:sp>
-                  <p:nvSpPr>
-                    <p:cNvPr id="37" name="타원 36">
-                      <a:extLst>
-                        <a:ext uri="{FF2B5EF4-FFF2-40B4-BE49-F238E27FC236}">
-                          <a16:creationId xmlns:a16="http://schemas.microsoft.com/office/drawing/2014/main" id="{3D11B9FE-E621-4D6E-3D63-CDAC8934FEEF}"/>
-                        </a:ext>
-                      </a:extLst>
-                    </p:cNvPr>
-                    <p:cNvSpPr/>
-                    <p:nvPr/>
-                  </p:nvSpPr>
-                  <p:spPr>
-                    <a:xfrm>
-                      <a:off x="2319279" y="2903389"/>
-                      <a:ext cx="2777936" cy="798818"/>
-                    </a:xfrm>
-                    <a:prstGeom prst="ellipse">
-                      <a:avLst/>
-                    </a:prstGeom>
-                    <a:ln>
-                      <a:solidFill>
-                        <a:schemeClr val="accent1"/>
-                      </a:solidFill>
-                    </a:ln>
-                  </p:spPr>
-                  <p:style>
-                    <a:lnRef idx="2">
-                      <a:schemeClr val="accent1">
-                        <a:shade val="50000"/>
-                      </a:schemeClr>
-                    </a:lnRef>
-                    <a:fillRef idx="1">
-                      <a:schemeClr val="accent1"/>
-                    </a:fillRef>
-                    <a:effectRef idx="0">
-                      <a:schemeClr val="accent1"/>
-                    </a:effectRef>
-                    <a:fontRef idx="minor">
-                      <a:schemeClr val="lt1"/>
-                    </a:fontRef>
-                  </p:style>
-                  <p:txBody>
-                    <a:bodyPr rtlCol="0" anchor="ctr"/>
-                    <a:lstStyle/>
-                    <a:p>
-                      <a:pPr algn="ctr"/>
-                      <a:r>
-                        <a:rPr lang="en-US" altLang="ko-KR" sz="900" dirty="0"/>
-                        <a:t>SysB</a:t>
-                      </a:r>
-                    </a:p>
-                    <a:p>
-                      <a:pPr algn="ctr"/>
-                      <a:r>
-                        <a:rPr lang="en-US" altLang="ko-KR" sz="900" dirty="0"/>
-                        <a:t>.Func1</a:t>
-                      </a:r>
-                      <a:endParaRPr lang="ko-KR" altLang="en-US" sz="900" dirty="0"/>
-                    </a:p>
-                  </p:txBody>
-                </p:sp>
-                <p:sp>
-                  <p:nvSpPr>
-                    <p:cNvPr id="7" name="타원 6">
-                      <a:extLst>
-                        <a:ext uri="{FF2B5EF4-FFF2-40B4-BE49-F238E27FC236}">
-                          <a16:creationId xmlns:a16="http://schemas.microsoft.com/office/drawing/2014/main" id="{6C9C7DED-2AAA-3CE9-E3D6-74EE5BBF72C8}"/>
-                        </a:ext>
-                      </a:extLst>
-                    </p:cNvPr>
-                    <p:cNvSpPr/>
-                    <p:nvPr/>
-                  </p:nvSpPr>
-                  <p:spPr>
-                    <a:xfrm>
-                      <a:off x="7040527" y="4162777"/>
-                      <a:ext cx="2424718" cy="839199"/>
-                    </a:xfrm>
-                    <a:prstGeom prst="ellipse">
-                      <a:avLst/>
-                    </a:prstGeom>
-                    <a:ln>
-                      <a:solidFill>
-                        <a:schemeClr val="accent1"/>
-                      </a:solidFill>
-                    </a:ln>
-                  </p:spPr>
-                  <p:style>
-                    <a:lnRef idx="2">
-                      <a:schemeClr val="accent1">
-                        <a:shade val="50000"/>
-                      </a:schemeClr>
-                    </a:lnRef>
-                    <a:fillRef idx="1">
-                      <a:schemeClr val="accent1"/>
-                    </a:fillRef>
-                    <a:effectRef idx="0">
-                      <a:schemeClr val="accent1"/>
-                    </a:effectRef>
-                    <a:fontRef idx="minor">
-                      <a:schemeClr val="lt1"/>
-                    </a:fontRef>
-                  </p:style>
-                  <p:txBody>
-                    <a:bodyPr rtlCol="0" anchor="ctr"/>
-                    <a:lstStyle/>
-                    <a:p>
-                      <a:pPr algn="ctr"/>
-                      <a:r>
-                        <a:rPr lang="en-US" altLang="ko-KR" sz="1000" dirty="0"/>
-                        <a:t>SysB</a:t>
-                      </a:r>
-                    </a:p>
-                    <a:p>
-                      <a:pPr algn="ctr"/>
-                      <a:r>
-                        <a:rPr lang="en-US" altLang="ko-KR" sz="1000" dirty="0"/>
-                        <a:t>.Func2</a:t>
-                      </a:r>
-                      <a:endParaRPr lang="ko-KR" altLang="en-US" sz="1000" dirty="0"/>
-                    </a:p>
-                  </p:txBody>
-                </p:sp>
-              </p:grpSp>
-            </p:grpSp>
-            <p:sp>
-              <p:nvSpPr>
-                <p:cNvPr id="23" name="타원 22">
-                  <a:extLst>
-                    <a:ext uri="{FF2B5EF4-FFF2-40B4-BE49-F238E27FC236}">
-                      <a16:creationId xmlns:a16="http://schemas.microsoft.com/office/drawing/2014/main" id="{2A59823F-60D6-767B-7621-A1E673C5E6F1}"/>
-                    </a:ext>
-                  </a:extLst>
-                </p:cNvPr>
-                <p:cNvSpPr/>
-                <p:nvPr/>
-              </p:nvSpPr>
-              <p:spPr>
-                <a:xfrm>
-                  <a:off x="7040526" y="2883199"/>
-                  <a:ext cx="2424718" cy="839199"/>
-                </a:xfrm>
-                <a:prstGeom prst="ellipse">
-                  <a:avLst/>
-                </a:prstGeom>
-              </p:spPr>
-              <p:style>
-                <a:lnRef idx="2">
-                  <a:schemeClr val="accent1">
-                    <a:shade val="50000"/>
-                  </a:schemeClr>
-                </a:lnRef>
-                <a:fillRef idx="1">
-                  <a:schemeClr val="accent1"/>
-                </a:fillRef>
-                <a:effectRef idx="0">
-                  <a:schemeClr val="accent1"/>
-                </a:effectRef>
-                <a:fontRef idx="minor">
-                  <a:schemeClr val="lt1"/>
-                </a:fontRef>
-              </p:style>
-              <p:txBody>
-                <a:bodyPr rtlCol="0" anchor="ctr"/>
-                <a:lstStyle/>
-                <a:p>
-                  <a:pPr algn="ctr"/>
-                  <a:r>
-                    <a:rPr lang="en-US" altLang="ko-KR" sz="1000" dirty="0"/>
-                    <a:t>SysB</a:t>
-                  </a:r>
-                </a:p>
-                <a:p>
-                  <a:pPr algn="ctr"/>
-                  <a:r>
-                    <a:rPr lang="en-US" altLang="ko-KR" sz="1000" dirty="0"/>
-                    <a:t>.Func1</a:t>
-                  </a:r>
-                  <a:endParaRPr lang="ko-KR" altLang="en-US" sz="1000" dirty="0"/>
-                </a:p>
-              </p:txBody>
-            </p:sp>
-          </p:grpSp>
-          <p:cxnSp>
-            <p:nvCxnSpPr>
-              <p:cNvPr id="84" name="직선 화살표 연결선 83">
-                <a:extLst>
-                  <a:ext uri="{FF2B5EF4-FFF2-40B4-BE49-F238E27FC236}">
-                    <a16:creationId xmlns:a16="http://schemas.microsoft.com/office/drawing/2014/main" id="{708FC434-C24E-8760-3603-8866FDA68F02}"/>
-                  </a:ext>
-                </a:extLst>
-              </p:cNvPr>
-              <p:cNvCxnSpPr>
-                <a:cxnSpLocks/>
-                <a:stCxn id="37" idx="6"/>
-                <a:endCxn id="23" idx="2"/>
-              </p:cNvCxnSpPr>
-              <p:nvPr/>
-            </p:nvCxnSpPr>
-            <p:spPr>
-              <a:xfrm>
-                <a:off x="3152018" y="3629496"/>
-                <a:ext cx="897921" cy="0"/>
-              </a:xfrm>
-              <a:prstGeom prst="straightConnector1">
-                <a:avLst/>
-              </a:prstGeom>
-              <a:ln>
-                <a:tailEnd type="triangle"/>
-              </a:ln>
-            </p:spPr>
-            <p:style>
-              <a:lnRef idx="1">
-                <a:schemeClr val="accent1"/>
-              </a:lnRef>
-              <a:fillRef idx="0">
-                <a:schemeClr val="accent1"/>
-              </a:fillRef>
-              <a:effectRef idx="0">
-                <a:schemeClr val="accent1"/>
-              </a:effectRef>
-              <a:fontRef idx="minor">
-                <a:schemeClr val="tx1"/>
-              </a:fontRef>
-            </p:style>
-          </p:cxnSp>
-        </p:grpSp>
-        <p:cxnSp>
-          <p:nvCxnSpPr>
-            <p:cNvPr id="5" name="직선 연결선 4">
-              <a:extLst>
-                <a:ext uri="{FF2B5EF4-FFF2-40B4-BE49-F238E27FC236}">
-                  <a16:creationId xmlns:a16="http://schemas.microsoft.com/office/drawing/2014/main" id="{B2903C9A-7E9D-7B92-E96B-7F51C8E29520}"/>
-                </a:ext>
-              </a:extLst>
-            </p:cNvPr>
-            <p:cNvCxnSpPr>
-              <a:stCxn id="37" idx="4"/>
-              <a:endCxn id="36" idx="0"/>
-            </p:cNvCxnSpPr>
-            <p:nvPr/>
-          </p:nvCxnSpPr>
-          <p:spPr>
-            <a:xfrm>
-              <a:off x="2510236" y="3934615"/>
-              <a:ext cx="14636" cy="285067"/>
-            </a:xfrm>
-            <a:prstGeom prst="line">
-              <a:avLst/>
-            </a:prstGeom>
-          </p:spPr>
-          <p:style>
-            <a:lnRef idx="1">
-              <a:schemeClr val="accent1"/>
-            </a:lnRef>
-            <a:fillRef idx="0">
-              <a:schemeClr val="accent1"/>
-            </a:fillRef>
-            <a:effectRef idx="0">
-              <a:schemeClr val="accent1"/>
-            </a:effectRef>
-            <a:fontRef idx="minor">
-              <a:schemeClr val="tx1"/>
-            </a:fontRef>
-          </p:style>
-        </p:cxnSp>
-        <p:cxnSp>
-          <p:nvCxnSpPr>
-            <p:cNvPr id="8" name="직선 연결선 7">
-              <a:extLst>
-                <a:ext uri="{FF2B5EF4-FFF2-40B4-BE49-F238E27FC236}">
-                  <a16:creationId xmlns:a16="http://schemas.microsoft.com/office/drawing/2014/main" id="{203441F8-3A83-E33C-09A1-92C4A3952B0D}"/>
-                </a:ext>
-              </a:extLst>
-            </p:cNvPr>
-            <p:cNvCxnSpPr>
-              <a:cxnSpLocks/>
-              <a:stCxn id="23" idx="4"/>
-              <a:endCxn id="7" idx="0"/>
-            </p:cNvCxnSpPr>
-            <p:nvPr/>
-          </p:nvCxnSpPr>
-          <p:spPr>
-            <a:xfrm>
-              <a:off x="4610118" y="3950039"/>
-              <a:ext cx="0" cy="336417"/>
-            </a:xfrm>
-            <a:prstGeom prst="line">
-              <a:avLst/>
-            </a:prstGeom>
-          </p:spPr>
-          <p:style>
-            <a:lnRef idx="1">
-              <a:schemeClr val="accent1"/>
-            </a:lnRef>
-            <a:fillRef idx="0">
-              <a:schemeClr val="accent1"/>
-            </a:fillRef>
-            <a:effectRef idx="0">
-              <a:schemeClr val="accent1"/>
-            </a:effectRef>
-            <a:fontRef idx="minor">
-              <a:schemeClr val="tx1"/>
-            </a:fontRef>
-          </p:style>
-        </p:cxnSp>
-      </p:grpSp>
-      <p:sp>
-        <p:nvSpPr>
           <p:cNvPr id="3" name="&quot;허용 안 됨&quot; 기호 2">
             <a:extLst>
               <a:ext uri="{FF2B5EF4-FFF2-40B4-BE49-F238E27FC236}">
@@ -10657,6 +10013,63 @@
           </a:p>
         </p:txBody>
       </p:sp>
+      <p:sp>
+        <p:nvSpPr>
+          <p:cNvPr id="4" name="사각형: 모서리가 접힌 도형 3">
+            <a:extLst>
+              <a:ext uri="{FF2B5EF4-FFF2-40B4-BE49-F238E27FC236}">
+                <a16:creationId xmlns:a16="http://schemas.microsoft.com/office/drawing/2014/main" id="{F65EF489-A057-E601-5FA4-233DA2D752CC}"/>
+              </a:ext>
+            </a:extLst>
+          </p:cNvPr>
+          <p:cNvSpPr/>
+          <p:nvPr/>
+        </p:nvSpPr>
+        <p:spPr>
+          <a:xfrm>
+            <a:off x="648271" y="2598698"/>
+            <a:ext cx="2009775" cy="1352550"/>
+          </a:xfrm>
+          <a:prstGeom prst="foldedCorner">
+            <a:avLst/>
+          </a:prstGeom>
+        </p:spPr>
+        <p:style>
+          <a:lnRef idx="2">
+            <a:schemeClr val="accent1">
+              <a:shade val="50000"/>
+            </a:schemeClr>
+          </a:lnRef>
+          <a:fillRef idx="1">
+            <a:schemeClr val="accent1"/>
+          </a:fillRef>
+          <a:effectRef idx="0">
+            <a:schemeClr val="accent1"/>
+          </a:effectRef>
+          <a:fontRef idx="minor">
+            <a:schemeClr val="lt1"/>
+          </a:fontRef>
+        </p:style>
+        <p:txBody>
+          <a:bodyPr rtlCol="0" anchor="ctr"/>
+          <a:lstStyle/>
+          <a:p>
+            <a:pPr algn="ctr"/>
+            <a:r>
+              <a:rPr lang="en-US" altLang="ko-KR" dirty="0"/>
+              <a:t>LibrarySystem</a:t>
+            </a:r>
+          </a:p>
+          <a:p>
+            <a:pPr algn="ctr"/>
+            <a:r>
+              <a:rPr lang="en-US" altLang="ko-KR" dirty="0"/>
+              <a:t>[SysB]</a:t>
+            </a:r>
+            <a:endParaRPr lang="ko-KR" altLang="en-US" dirty="0"/>
+          </a:p>
+        </p:txBody>
+      </p:sp>
     </p:spTree>
     <p:extLst>
       <p:ext uri="{BB962C8B-B14F-4D97-AF65-F5344CB8AC3E}">
@@ -10718,650 +10131,6 @@
       </p:sp>
       <p:sp>
         <p:nvSpPr>
-          <p:cNvPr id="9" name="사각형: 모서리가 접힌 도형 8">
-            <a:extLst>
-              <a:ext uri="{FF2B5EF4-FFF2-40B4-BE49-F238E27FC236}">
-                <a16:creationId xmlns:a16="http://schemas.microsoft.com/office/drawing/2014/main" id="{F5FB5C8C-5FE0-3210-B09B-4F8A898BE653}"/>
-              </a:ext>
-            </a:extLst>
-          </p:cNvPr>
-          <p:cNvSpPr/>
-          <p:nvPr/>
-        </p:nvSpPr>
-        <p:spPr>
-          <a:xfrm>
-            <a:off x="10178351" y="-186582"/>
-            <a:ext cx="2009775" cy="1352550"/>
-          </a:xfrm>
-          <a:prstGeom prst="foldedCorner">
-            <a:avLst/>
-          </a:prstGeom>
-        </p:spPr>
-        <p:style>
-          <a:lnRef idx="2">
-            <a:schemeClr val="accent1">
-              <a:shade val="50000"/>
-            </a:schemeClr>
-          </a:lnRef>
-          <a:fillRef idx="1">
-            <a:schemeClr val="accent1"/>
-          </a:fillRef>
-          <a:effectRef idx="0">
-            <a:schemeClr val="accent1"/>
-          </a:effectRef>
-          <a:fontRef idx="minor">
-            <a:schemeClr val="lt1"/>
-          </a:fontRef>
-        </p:style>
-        <p:txBody>
-          <a:bodyPr rtlCol="0" anchor="ctr"/>
-          <a:lstStyle/>
-          <a:p>
-            <a:pPr algn="ctr"/>
-            <a:r>
-              <a:rPr lang="en-US" altLang="ko-KR" dirty="0"/>
-              <a:t>SystemA</a:t>
-            </a:r>
-          </a:p>
-          <a:p>
-            <a:pPr algn="ctr"/>
-            <a:r>
-              <a:rPr lang="en-US" altLang="ko-KR" dirty="0"/>
-              <a:t>[SysB]</a:t>
-            </a:r>
-            <a:endParaRPr lang="ko-KR" altLang="en-US" dirty="0"/>
-          </a:p>
-        </p:txBody>
-      </p:sp>
-      <p:grpSp>
-        <p:nvGrpSpPr>
-          <p:cNvPr id="12" name="그룹 11">
-            <a:extLst>
-              <a:ext uri="{FF2B5EF4-FFF2-40B4-BE49-F238E27FC236}">
-                <a16:creationId xmlns:a16="http://schemas.microsoft.com/office/drawing/2014/main" id="{28F1E749-B7AF-5D5F-B20D-DFE5E966619C}"/>
-              </a:ext>
-            </a:extLst>
-          </p:cNvPr>
-          <p:cNvGrpSpPr/>
-          <p:nvPr/>
-        </p:nvGrpSpPr>
-        <p:grpSpPr>
-          <a:xfrm>
-            <a:off x="1393474" y="3016398"/>
-            <a:ext cx="4313815" cy="3186314"/>
-            <a:chOff x="1393474" y="3016398"/>
-            <a:chExt cx="4313815" cy="3186314"/>
-          </a:xfrm>
-        </p:grpSpPr>
-        <p:sp>
-          <p:nvSpPr>
-            <p:cNvPr id="57" name="TextBox 56">
-              <a:extLst>
-                <a:ext uri="{FF2B5EF4-FFF2-40B4-BE49-F238E27FC236}">
-                  <a16:creationId xmlns:a16="http://schemas.microsoft.com/office/drawing/2014/main" id="{86C0DB17-5983-5AB1-2A10-EF20E8B13F5C}"/>
-                </a:ext>
-              </a:extLst>
-            </p:cNvPr>
-            <p:cNvSpPr txBox="1"/>
-            <p:nvPr/>
-          </p:nvSpPr>
-          <p:spPr>
-            <a:xfrm>
-              <a:off x="2131665" y="5279382"/>
-              <a:ext cx="2938625" cy="923330"/>
-            </a:xfrm>
-            <a:prstGeom prst="rect">
-              <a:avLst/>
-            </a:prstGeom>
-            <a:noFill/>
-          </p:spPr>
-          <p:txBody>
-            <a:bodyPr wrap="none" rtlCol="0">
-              <a:spAutoFit/>
-            </a:bodyPr>
-            <a:lstStyle/>
-            <a:p>
-              <a:r>
-                <a:rPr lang="ko-KR" altLang="en-US" dirty="0"/>
-                <a:t>동시행위그룹</a:t>
-              </a:r>
-              <a:endParaRPr lang="en-US" altLang="ko-KR" dirty="0"/>
-            </a:p>
-            <a:p>
-              <a:endParaRPr lang="en-US" altLang="ko-KR" dirty="0"/>
-            </a:p>
-            <a:p>
-              <a:r>
-                <a:rPr lang="ko-KR" altLang="en-US" dirty="0"/>
-                <a:t>방법</a:t>
-              </a:r>
-              <a:r>
-                <a:rPr lang="en-US" altLang="ko-KR" dirty="0"/>
-                <a:t>: </a:t>
-              </a:r>
-              <a:r>
-                <a:rPr lang="ko-KR" altLang="en-US" dirty="0"/>
-                <a:t>무방향라인으로 연결</a:t>
-              </a:r>
-            </a:p>
-          </p:txBody>
-        </p:sp>
-        <p:grpSp>
-          <p:nvGrpSpPr>
-            <p:cNvPr id="85" name="그룹 84">
-              <a:extLst>
-                <a:ext uri="{FF2B5EF4-FFF2-40B4-BE49-F238E27FC236}">
-                  <a16:creationId xmlns:a16="http://schemas.microsoft.com/office/drawing/2014/main" id="{2D890ED7-C516-89CA-9C90-1843AD20DD18}"/>
-                </a:ext>
-              </a:extLst>
-            </p:cNvPr>
-            <p:cNvGrpSpPr/>
-            <p:nvPr/>
-          </p:nvGrpSpPr>
-          <p:grpSpPr>
-            <a:xfrm>
-              <a:off x="1393474" y="3016398"/>
-              <a:ext cx="4313815" cy="2743200"/>
-              <a:chOff x="1393474" y="3016398"/>
-              <a:chExt cx="4313815" cy="2743200"/>
-            </a:xfrm>
-          </p:grpSpPr>
-          <p:grpSp>
-            <p:nvGrpSpPr>
-              <p:cNvPr id="6" name="그룹 5">
-                <a:extLst>
-                  <a:ext uri="{FF2B5EF4-FFF2-40B4-BE49-F238E27FC236}">
-                    <a16:creationId xmlns:a16="http://schemas.microsoft.com/office/drawing/2014/main" id="{38FAFB92-6594-BE15-75B9-9A824E260EB2}"/>
-                  </a:ext>
-                </a:extLst>
-              </p:cNvPr>
-              <p:cNvGrpSpPr/>
-              <p:nvPr/>
-            </p:nvGrpSpPr>
-            <p:grpSpPr>
-              <a:xfrm>
-                <a:off x="1393474" y="3016398"/>
-                <a:ext cx="4313815" cy="2743200"/>
-                <a:chOff x="1291312" y="2500236"/>
-                <a:chExt cx="9336108" cy="3590925"/>
-              </a:xfrm>
-            </p:grpSpPr>
-            <p:grpSp>
-              <p:nvGrpSpPr>
-                <p:cNvPr id="13" name="그룹 12">
-                  <a:extLst>
-                    <a:ext uri="{FF2B5EF4-FFF2-40B4-BE49-F238E27FC236}">
-                      <a16:creationId xmlns:a16="http://schemas.microsoft.com/office/drawing/2014/main" id="{68273779-0907-B61E-CB28-7C3235EA2C81}"/>
-                    </a:ext>
-                  </a:extLst>
-                </p:cNvPr>
-                <p:cNvGrpSpPr/>
-                <p:nvPr/>
-              </p:nvGrpSpPr>
-              <p:grpSpPr>
-                <a:xfrm>
-                  <a:off x="1291312" y="2500236"/>
-                  <a:ext cx="9336108" cy="3590925"/>
-                  <a:chOff x="1291312" y="2500236"/>
-                  <a:chExt cx="9336108" cy="3590925"/>
-                </a:xfrm>
-              </p:grpSpPr>
-              <p:sp>
-                <p:nvSpPr>
-                  <p:cNvPr id="29" name="직사각형 28">
-                    <a:extLst>
-                      <a:ext uri="{FF2B5EF4-FFF2-40B4-BE49-F238E27FC236}">
-                        <a16:creationId xmlns:a16="http://schemas.microsoft.com/office/drawing/2014/main" id="{42C05E87-EB35-E538-CC97-7625C2644ADD}"/>
-                      </a:ext>
-                    </a:extLst>
-                  </p:cNvPr>
-                  <p:cNvSpPr/>
-                  <p:nvPr/>
-                </p:nvSpPr>
-                <p:spPr>
-                  <a:xfrm>
-                    <a:off x="1291312" y="2500236"/>
-                    <a:ext cx="9336108" cy="3590925"/>
-                  </a:xfrm>
-                  <a:prstGeom prst="rect">
-                    <a:avLst/>
-                  </a:prstGeom>
-                  <a:noFill/>
-                  <a:ln>
-                    <a:solidFill>
-                      <a:schemeClr val="accent1"/>
-                    </a:solidFill>
-                  </a:ln>
-                </p:spPr>
-                <p:style>
-                  <a:lnRef idx="2">
-                    <a:schemeClr val="accent1">
-                      <a:shade val="50000"/>
-                    </a:schemeClr>
-                  </a:lnRef>
-                  <a:fillRef idx="1">
-                    <a:schemeClr val="accent1"/>
-                  </a:fillRef>
-                  <a:effectRef idx="0">
-                    <a:schemeClr val="accent1"/>
-                  </a:effectRef>
-                  <a:fontRef idx="minor">
-                    <a:schemeClr val="lt1"/>
-                  </a:fontRef>
-                </p:style>
-                <p:txBody>
-                  <a:bodyPr rtlCol="0" anchor="t"/>
-                  <a:lstStyle/>
-                  <a:p>
-                    <a:pPr algn="ctr"/>
-                    <a:r>
-                      <a:rPr lang="en-US" altLang="ko-KR" sz="1100" dirty="0">
-                        <a:solidFill>
-                          <a:schemeClr val="tx1"/>
-                        </a:solidFill>
-                      </a:rPr>
-                      <a:t>R1</a:t>
-                    </a:r>
-                    <a:endParaRPr lang="ko-KR" altLang="en-US" sz="600" dirty="0">
-                      <a:solidFill>
-                        <a:schemeClr val="tx1"/>
-                      </a:solidFill>
-                    </a:endParaRPr>
-                  </a:p>
-                </p:txBody>
-              </p:sp>
-              <p:grpSp>
-                <p:nvGrpSpPr>
-                  <p:cNvPr id="31" name="그룹 30">
-                    <a:extLst>
-                      <a:ext uri="{FF2B5EF4-FFF2-40B4-BE49-F238E27FC236}">
-                        <a16:creationId xmlns:a16="http://schemas.microsoft.com/office/drawing/2014/main" id="{BADDBE08-ABD4-230C-B560-729A8A147A38}"/>
-                      </a:ext>
-                    </a:extLst>
-                  </p:cNvPr>
-                  <p:cNvGrpSpPr/>
-                  <p:nvPr/>
-                </p:nvGrpSpPr>
-                <p:grpSpPr>
-                  <a:xfrm>
-                    <a:off x="2319279" y="2903389"/>
-                    <a:ext cx="7145966" cy="2098587"/>
-                    <a:chOff x="2319279" y="2903389"/>
-                    <a:chExt cx="7145966" cy="2098587"/>
-                  </a:xfrm>
-                </p:grpSpPr>
-                <p:sp>
-                  <p:nvSpPr>
-                    <p:cNvPr id="36" name="타원 35">
-                      <a:extLst>
-                        <a:ext uri="{FF2B5EF4-FFF2-40B4-BE49-F238E27FC236}">
-                          <a16:creationId xmlns:a16="http://schemas.microsoft.com/office/drawing/2014/main" id="{754D0C0D-93B9-1942-CAD1-61DF85B607AC}"/>
-                        </a:ext>
-                      </a:extLst>
-                    </p:cNvPr>
-                    <p:cNvSpPr/>
-                    <p:nvPr/>
-                  </p:nvSpPr>
-                  <p:spPr>
-                    <a:xfrm>
-                      <a:off x="2527565" y="4075368"/>
-                      <a:ext cx="2424718" cy="839199"/>
-                    </a:xfrm>
-                    <a:prstGeom prst="ellipse">
-                      <a:avLst/>
-                    </a:prstGeom>
-                    <a:ln>
-                      <a:solidFill>
-                        <a:schemeClr val="accent1"/>
-                      </a:solidFill>
-                    </a:ln>
-                  </p:spPr>
-                  <p:style>
-                    <a:lnRef idx="2">
-                      <a:schemeClr val="accent1">
-                        <a:shade val="50000"/>
-                      </a:schemeClr>
-                    </a:lnRef>
-                    <a:fillRef idx="1">
-                      <a:schemeClr val="accent1"/>
-                    </a:fillRef>
-                    <a:effectRef idx="0">
-                      <a:schemeClr val="accent1"/>
-                    </a:effectRef>
-                    <a:fontRef idx="minor">
-                      <a:schemeClr val="lt1"/>
-                    </a:fontRef>
-                  </p:style>
-                  <p:txBody>
-                    <a:bodyPr rtlCol="0" anchor="ctr"/>
-                    <a:lstStyle/>
-                    <a:p>
-                      <a:pPr algn="ctr"/>
-                      <a:r>
-                        <a:rPr lang="en-US" altLang="ko-KR" sz="1000" dirty="0"/>
-                        <a:t>SysB</a:t>
-                      </a:r>
-                    </a:p>
-                    <a:p>
-                      <a:pPr algn="ctr"/>
-                      <a:r>
-                        <a:rPr lang="en-US" altLang="ko-KR" sz="1000" dirty="0"/>
-                        <a:t>.Func2</a:t>
-                      </a:r>
-                      <a:endParaRPr lang="ko-KR" altLang="en-US" sz="1000" dirty="0"/>
-                    </a:p>
-                  </p:txBody>
-                </p:sp>
-                <p:sp>
-                  <p:nvSpPr>
-                    <p:cNvPr id="37" name="타원 36">
-                      <a:extLst>
-                        <a:ext uri="{FF2B5EF4-FFF2-40B4-BE49-F238E27FC236}">
-                          <a16:creationId xmlns:a16="http://schemas.microsoft.com/office/drawing/2014/main" id="{3D11B9FE-E621-4D6E-3D63-CDAC8934FEEF}"/>
-                        </a:ext>
-                      </a:extLst>
-                    </p:cNvPr>
-                    <p:cNvSpPr/>
-                    <p:nvPr/>
-                  </p:nvSpPr>
-                  <p:spPr>
-                    <a:xfrm>
-                      <a:off x="2319279" y="2903389"/>
-                      <a:ext cx="2777936" cy="798818"/>
-                    </a:xfrm>
-                    <a:prstGeom prst="ellipse">
-                      <a:avLst/>
-                    </a:prstGeom>
-                    <a:ln>
-                      <a:solidFill>
-                        <a:schemeClr val="accent1"/>
-                      </a:solidFill>
-                    </a:ln>
-                  </p:spPr>
-                  <p:style>
-                    <a:lnRef idx="2">
-                      <a:schemeClr val="accent1">
-                        <a:shade val="50000"/>
-                      </a:schemeClr>
-                    </a:lnRef>
-                    <a:fillRef idx="1">
-                      <a:schemeClr val="accent1"/>
-                    </a:fillRef>
-                    <a:effectRef idx="0">
-                      <a:schemeClr val="accent1"/>
-                    </a:effectRef>
-                    <a:fontRef idx="minor">
-                      <a:schemeClr val="lt1"/>
-                    </a:fontRef>
-                  </p:style>
-                  <p:txBody>
-                    <a:bodyPr rtlCol="0" anchor="ctr"/>
-                    <a:lstStyle/>
-                    <a:p>
-                      <a:pPr algn="ctr"/>
-                      <a:r>
-                        <a:rPr lang="en-US" altLang="ko-KR" sz="900" dirty="0"/>
-                        <a:t>SysB</a:t>
-                      </a:r>
-                    </a:p>
-                    <a:p>
-                      <a:pPr algn="ctr"/>
-                      <a:r>
-                        <a:rPr lang="en-US" altLang="ko-KR" sz="900" dirty="0"/>
-                        <a:t>.Func1</a:t>
-                      </a:r>
-                      <a:endParaRPr lang="ko-KR" altLang="en-US" sz="900" dirty="0"/>
-                    </a:p>
-                  </p:txBody>
-                </p:sp>
-                <p:sp>
-                  <p:nvSpPr>
-                    <p:cNvPr id="7" name="타원 6">
-                      <a:extLst>
-                        <a:ext uri="{FF2B5EF4-FFF2-40B4-BE49-F238E27FC236}">
-                          <a16:creationId xmlns:a16="http://schemas.microsoft.com/office/drawing/2014/main" id="{6C9C7DED-2AAA-3CE9-E3D6-74EE5BBF72C8}"/>
-                        </a:ext>
-                      </a:extLst>
-                    </p:cNvPr>
-                    <p:cNvSpPr/>
-                    <p:nvPr/>
-                  </p:nvSpPr>
-                  <p:spPr>
-                    <a:xfrm>
-                      <a:off x="7040527" y="4162777"/>
-                      <a:ext cx="2424718" cy="839199"/>
-                    </a:xfrm>
-                    <a:prstGeom prst="ellipse">
-                      <a:avLst/>
-                    </a:prstGeom>
-                    <a:ln>
-                      <a:solidFill>
-                        <a:schemeClr val="accent1"/>
-                      </a:solidFill>
-                    </a:ln>
-                  </p:spPr>
-                  <p:style>
-                    <a:lnRef idx="2">
-                      <a:schemeClr val="accent1">
-                        <a:shade val="50000"/>
-                      </a:schemeClr>
-                    </a:lnRef>
-                    <a:fillRef idx="1">
-                      <a:schemeClr val="accent1"/>
-                    </a:fillRef>
-                    <a:effectRef idx="0">
-                      <a:schemeClr val="accent1"/>
-                    </a:effectRef>
-                    <a:fontRef idx="minor">
-                      <a:schemeClr val="lt1"/>
-                    </a:fontRef>
-                  </p:style>
-                  <p:txBody>
-                    <a:bodyPr rtlCol="0" anchor="ctr"/>
-                    <a:lstStyle/>
-                    <a:p>
-                      <a:pPr algn="ctr"/>
-                      <a:r>
-                        <a:rPr lang="en-US" altLang="ko-KR" sz="1000" dirty="0"/>
-                        <a:t>SysB</a:t>
-                      </a:r>
-                    </a:p>
-                    <a:p>
-                      <a:pPr algn="ctr"/>
-                      <a:r>
-                        <a:rPr lang="en-US" altLang="ko-KR" sz="1000" dirty="0"/>
-                        <a:t>.Func2</a:t>
-                      </a:r>
-                      <a:endParaRPr lang="ko-KR" altLang="en-US" sz="1000" dirty="0"/>
-                    </a:p>
-                  </p:txBody>
-                </p:sp>
-              </p:grpSp>
-            </p:grpSp>
-            <p:sp>
-              <p:nvSpPr>
-                <p:cNvPr id="23" name="타원 22">
-                  <a:extLst>
-                    <a:ext uri="{FF2B5EF4-FFF2-40B4-BE49-F238E27FC236}">
-                      <a16:creationId xmlns:a16="http://schemas.microsoft.com/office/drawing/2014/main" id="{2A59823F-60D6-767B-7621-A1E673C5E6F1}"/>
-                    </a:ext>
-                  </a:extLst>
-                </p:cNvPr>
-                <p:cNvSpPr/>
-                <p:nvPr/>
-              </p:nvSpPr>
-              <p:spPr>
-                <a:xfrm>
-                  <a:off x="7040526" y="2883199"/>
-                  <a:ext cx="2424718" cy="839199"/>
-                </a:xfrm>
-                <a:prstGeom prst="ellipse">
-                  <a:avLst/>
-                </a:prstGeom>
-              </p:spPr>
-              <p:style>
-                <a:lnRef idx="2">
-                  <a:schemeClr val="accent1">
-                    <a:shade val="50000"/>
-                  </a:schemeClr>
-                </a:lnRef>
-                <a:fillRef idx="1">
-                  <a:schemeClr val="accent1"/>
-                </a:fillRef>
-                <a:effectRef idx="0">
-                  <a:schemeClr val="accent1"/>
-                </a:effectRef>
-                <a:fontRef idx="minor">
-                  <a:schemeClr val="lt1"/>
-                </a:fontRef>
-              </p:style>
-              <p:txBody>
-                <a:bodyPr rtlCol="0" anchor="ctr"/>
-                <a:lstStyle/>
-                <a:p>
-                  <a:pPr algn="ctr"/>
-                  <a:r>
-                    <a:rPr lang="en-US" altLang="ko-KR" sz="1000" dirty="0"/>
-                    <a:t>SysB</a:t>
-                  </a:r>
-                </a:p>
-                <a:p>
-                  <a:pPr algn="ctr"/>
-                  <a:r>
-                    <a:rPr lang="en-US" altLang="ko-KR" sz="1000" dirty="0"/>
-                    <a:t>.Func1</a:t>
-                  </a:r>
-                  <a:endParaRPr lang="ko-KR" altLang="en-US" sz="1000" dirty="0"/>
-                </a:p>
-              </p:txBody>
-            </p:sp>
-          </p:grpSp>
-          <p:cxnSp>
-            <p:nvCxnSpPr>
-              <p:cNvPr id="84" name="직선 화살표 연결선 83">
-                <a:extLst>
-                  <a:ext uri="{FF2B5EF4-FFF2-40B4-BE49-F238E27FC236}">
-                    <a16:creationId xmlns:a16="http://schemas.microsoft.com/office/drawing/2014/main" id="{708FC434-C24E-8760-3603-8866FDA68F02}"/>
-                  </a:ext>
-                </a:extLst>
-              </p:cNvPr>
-              <p:cNvCxnSpPr>
-                <a:cxnSpLocks/>
-                <a:stCxn id="37" idx="6"/>
-                <a:endCxn id="23" idx="2"/>
-              </p:cNvCxnSpPr>
-              <p:nvPr/>
-            </p:nvCxnSpPr>
-            <p:spPr>
-              <a:xfrm>
-                <a:off x="3152018" y="3629496"/>
-                <a:ext cx="897921" cy="0"/>
-              </a:xfrm>
-              <a:prstGeom prst="straightConnector1">
-                <a:avLst/>
-              </a:prstGeom>
-              <a:ln>
-                <a:tailEnd type="triangle"/>
-              </a:ln>
-            </p:spPr>
-            <p:style>
-              <a:lnRef idx="1">
-                <a:schemeClr val="accent1"/>
-              </a:lnRef>
-              <a:fillRef idx="0">
-                <a:schemeClr val="accent1"/>
-              </a:fillRef>
-              <a:effectRef idx="0">
-                <a:schemeClr val="accent1"/>
-              </a:effectRef>
-              <a:fontRef idx="minor">
-                <a:schemeClr val="tx1"/>
-              </a:fontRef>
-            </p:style>
-          </p:cxnSp>
-        </p:grpSp>
-        <p:cxnSp>
-          <p:nvCxnSpPr>
-            <p:cNvPr id="5" name="직선 연결선 4">
-              <a:extLst>
-                <a:ext uri="{FF2B5EF4-FFF2-40B4-BE49-F238E27FC236}">
-                  <a16:creationId xmlns:a16="http://schemas.microsoft.com/office/drawing/2014/main" id="{B2903C9A-7E9D-7B92-E96B-7F51C8E29520}"/>
-                </a:ext>
-              </a:extLst>
-            </p:cNvPr>
-            <p:cNvCxnSpPr>
-              <a:stCxn id="37" idx="4"/>
-              <a:endCxn id="36" idx="0"/>
-            </p:cNvCxnSpPr>
-            <p:nvPr/>
-          </p:nvCxnSpPr>
-          <p:spPr>
-            <a:xfrm>
-              <a:off x="2510236" y="3934615"/>
-              <a:ext cx="14636" cy="285067"/>
-            </a:xfrm>
-            <a:prstGeom prst="line">
-              <a:avLst/>
-            </a:prstGeom>
-          </p:spPr>
-          <p:style>
-            <a:lnRef idx="1">
-              <a:schemeClr val="accent1"/>
-            </a:lnRef>
-            <a:fillRef idx="0">
-              <a:schemeClr val="accent1"/>
-            </a:fillRef>
-            <a:effectRef idx="0">
-              <a:schemeClr val="accent1"/>
-            </a:effectRef>
-            <a:fontRef idx="minor">
-              <a:schemeClr val="tx1"/>
-            </a:fontRef>
-          </p:style>
-        </p:cxnSp>
-        <p:cxnSp>
-          <p:nvCxnSpPr>
-            <p:cNvPr id="8" name="직선 연결선 7">
-              <a:extLst>
-                <a:ext uri="{FF2B5EF4-FFF2-40B4-BE49-F238E27FC236}">
-                  <a16:creationId xmlns:a16="http://schemas.microsoft.com/office/drawing/2014/main" id="{203441F8-3A83-E33C-09A1-92C4A3952B0D}"/>
-                </a:ext>
-              </a:extLst>
-            </p:cNvPr>
-            <p:cNvCxnSpPr>
-              <a:cxnSpLocks/>
-              <a:stCxn id="23" idx="4"/>
-              <a:endCxn id="7" idx="0"/>
-            </p:cNvCxnSpPr>
-            <p:nvPr/>
-          </p:nvCxnSpPr>
-          <p:spPr>
-            <a:xfrm>
-              <a:off x="4610118" y="3950039"/>
-              <a:ext cx="0" cy="336417"/>
-            </a:xfrm>
-            <a:prstGeom prst="line">
-              <a:avLst/>
-            </a:prstGeom>
-          </p:spPr>
-          <p:style>
-            <a:lnRef idx="1">
-              <a:schemeClr val="accent1"/>
-            </a:lnRef>
-            <a:fillRef idx="0">
-              <a:schemeClr val="accent1"/>
-            </a:fillRef>
-            <a:effectRef idx="0">
-              <a:schemeClr val="accent1"/>
-            </a:effectRef>
-            <a:fontRef idx="minor">
-              <a:schemeClr val="tx1"/>
-            </a:fontRef>
-          </p:style>
-        </p:cxnSp>
-      </p:grpSp>
-      <p:sp>
-        <p:nvSpPr>
           <p:cNvPr id="3" name="&quot;허용 안 됨&quot; 기호 2">
             <a:extLst>
               <a:ext uri="{FF2B5EF4-FFF2-40B4-BE49-F238E27FC236}">
@@ -11420,6 +10189,71 @@
                 <a:schemeClr val="tx1"/>
               </a:solidFill>
             </a:endParaRPr>
+          </a:p>
+        </p:txBody>
+      </p:sp>
+      <p:sp>
+        <p:nvSpPr>
+          <p:cNvPr id="4" name="사각형: 모서리가 접힌 도형 3">
+            <a:extLst>
+              <a:ext uri="{FF2B5EF4-FFF2-40B4-BE49-F238E27FC236}">
+                <a16:creationId xmlns:a16="http://schemas.microsoft.com/office/drawing/2014/main" id="{668C0909-4086-2371-1F1A-A5FB3852C280}"/>
+              </a:ext>
+            </a:extLst>
+          </p:cNvPr>
+          <p:cNvSpPr/>
+          <p:nvPr/>
+        </p:nvSpPr>
+        <p:spPr>
+          <a:xfrm>
+            <a:off x="476821" y="4704306"/>
+            <a:ext cx="2009775" cy="1352550"/>
+          </a:xfrm>
+          <a:prstGeom prst="foldedCorner">
+            <a:avLst/>
+          </a:prstGeom>
+        </p:spPr>
+        <p:style>
+          <a:lnRef idx="2">
+            <a:schemeClr val="accent1">
+              <a:shade val="50000"/>
+            </a:schemeClr>
+          </a:lnRef>
+          <a:fillRef idx="1">
+            <a:schemeClr val="accent1"/>
+          </a:fillRef>
+          <a:effectRef idx="0">
+            <a:schemeClr val="accent1"/>
+          </a:effectRef>
+          <a:fontRef idx="minor">
+            <a:schemeClr val="lt1"/>
+          </a:fontRef>
+        </p:style>
+        <p:txBody>
+          <a:bodyPr rtlCol="0" anchor="ctr"/>
+          <a:lstStyle/>
+          <a:p>
+            <a:pPr algn="ctr"/>
+            <a:r>
+              <a:rPr lang="en-US" altLang="ko-KR" dirty="0"/>
+              <a:t>LibrarySystem</a:t>
+            </a:r>
+          </a:p>
+          <a:p>
+            <a:pPr algn="ctr"/>
+            <a:r>
+              <a:rPr lang="en-US" altLang="ko-KR" dirty="0"/>
+              <a:t>[</a:t>
+            </a:r>
+            <a:r>
+              <a:rPr lang="en-US" altLang="ko-KR" dirty="0" err="1"/>
+              <a:t>SysA</a:t>
+            </a:r>
+            <a:r>
+              <a:rPr lang="en-US" altLang="ko-KR" dirty="0"/>
+              <a:t>]</a:t>
+            </a:r>
+            <a:endParaRPr lang="ko-KR" altLang="en-US" dirty="0"/>
           </a:p>
         </p:txBody>
       </p:sp>
